--- a/documentation/12 SOA Services - Queue List.pptx
+++ b/documentation/12 SOA Services - Queue List.pptx
@@ -16,7 +16,7 @@
     <p:sldId id="258" r:id="rId7"/>
     <p:sldId id="271" r:id="rId8"/>
     <p:sldId id="272" r:id="rId9"/>
-    <p:sldId id="273" r:id="rId10"/>
+    <p:sldId id="274" r:id="rId10"/>
     <p:sldId id="269" r:id="rId11"/>
     <p:sldId id="270" r:id="rId12"/>
   </p:sldIdLst>
@@ -119,7 +119,7 @@
   </p:defaultTextStyle>
   <p:extLst>
     <p:ext uri="{EFAFB233-063F-42B5-8137-9DF3F51BA10A}">
-      <p15:sldGuideLst xmlns="" xmlns:p15="http://schemas.microsoft.com/office/powerpoint/2012/main">
+      <p15:sldGuideLst xmlns:p15="http://schemas.microsoft.com/office/powerpoint/2012/main">
         <p15:guide id="2" pos="3840" userDrawn="1">
           <p15:clr>
             <a:srgbClr val="A4A3A4"/>
@@ -133,7 +133,7 @@
       </p15:sldGuideLst>
     </p:ext>
     <p:ext uri="{2D200454-40CA-4A62-9FC3-DE9A4176ACB9}">
-      <p15:notesGuideLst xmlns="" xmlns:p15="http://schemas.microsoft.com/office/powerpoint/2012/main"/>
+      <p15:notesGuideLst xmlns:p15="http://schemas.microsoft.com/office/powerpoint/2012/main"/>
     </p:ext>
   </p:extLst>
 </p:presentation>
@@ -221,7 +221,7 @@
           <a:p>
             <a:fld id="{CE53DE84-D7B3-4797-B14D-77424657396D}" type="datetimeFigureOut">
               <a:rPr lang="en-GB" smtClean="0"/>
-              <a:t>10/02/2018</a:t>
+              <a:t>10/03/2018</a:t>
             </a:fld>
             <a:endParaRPr lang="en-GB" dirty="0"/>
           </a:p>
@@ -386,7 +386,7 @@
           <a:p>
             <a:fld id="{D1C597EC-6BB0-461C-B045-D257C6C8821E}" type="datetimeFigureOut">
               <a:rPr lang="en-GB" smtClean="0"/>
-              <a:t>10/02/2018</a:t>
+              <a:t>10/03/2018</a:t>
             </a:fld>
             <a:endParaRPr lang="en-GB" dirty="0"/>
           </a:p>
@@ -1240,7 +1240,7 @@
           <a:p>
             <a:fld id="{22E7AA2F-F619-4723-B6E7-545F24B9918D}" type="datetime4">
               <a:rPr lang="en-GB" smtClean="0"/>
-              <a:t>10 February 2018</a:t>
+              <a:t>10 March 2018</a:t>
             </a:fld>
             <a:endParaRPr lang="en-GB" dirty="0"/>
           </a:p>
@@ -1444,7 +1444,7 @@
           <a:p>
             <a:fld id="{2A4201E0-34F3-46A7-AE44-D99163B13904}" type="datetime4">
               <a:rPr lang="en-GB" smtClean="0"/>
-              <a:t>10 February 2018</a:t>
+              <a:t>10 March 2018</a:t>
             </a:fld>
             <a:endParaRPr lang="en-GB" dirty="0"/>
           </a:p>
@@ -1536,7 +1536,7 @@
   </p:clrMapOvr>
   <p:extLst mod="1">
     <p:ext uri="{DCECCB84-F9BA-43D5-87BE-67443E8EF086}">
-      <p15:sldGuideLst xmlns="" xmlns:p15="http://schemas.microsoft.com/office/powerpoint/2012/main"/>
+      <p15:sldGuideLst xmlns:p15="http://schemas.microsoft.com/office/powerpoint/2012/main"/>
     </p:ext>
   </p:extLst>
 </p:sldLayout>
@@ -1692,7 +1692,7 @@
           <a:p>
             <a:fld id="{4FAE0867-24A8-448F-B507-CC8586AA6B96}" type="datetime4">
               <a:rPr lang="en-GB" smtClean="0"/>
-              <a:t>10 February 2018</a:t>
+              <a:t>10 March 2018</a:t>
             </a:fld>
             <a:endParaRPr lang="en-GB" dirty="0"/>
           </a:p>
@@ -1876,7 +1876,7 @@
           <a:p>
             <a:fld id="{54BE1DED-F17D-40BA-964F-A1C8DEDCEF61}" type="datetime4">
               <a:rPr lang="en-GB" smtClean="0"/>
-              <a:t>10 February 2018</a:t>
+              <a:t>10 March 2018</a:t>
             </a:fld>
             <a:endParaRPr lang="en-GB" dirty="0"/>
           </a:p>
@@ -2252,7 +2252,7 @@
             <a:fld id="{D9FBC6CA-9941-44FF-B65D-C7A23CB5A4BE}" type="datetime4">
               <a:rPr lang="en-GB" smtClean="0"/>
               <a:pPr/>
-              <a:t>10 February 2018</a:t>
+              <a:t>10 March 2018</a:t>
             </a:fld>
             <a:endParaRPr lang="en-GB" dirty="0"/>
           </a:p>
@@ -2438,7 +2438,7 @@
           <a:p>
             <a:fld id="{D473304B-F8FC-4BC7-8FE8-C50BC87E1FAB}" type="datetime4">
               <a:rPr lang="en-GB" smtClean="0"/>
-              <a:t>10 February 2018</a:t>
+              <a:t>10 March 2018</a:t>
             </a:fld>
             <a:endParaRPr lang="en-GB" dirty="0"/>
           </a:p>
@@ -2533,7 +2533,7 @@
           <a:p>
             <a:fld id="{D3D7C3DF-C1B2-4C30-9BDA-F5EE790E7213}" type="datetime4">
               <a:rPr lang="en-GB" smtClean="0"/>
-              <a:t>10 February 2018</a:t>
+              <a:t>10 March 2018</a:t>
             </a:fld>
             <a:endParaRPr lang="en-GB" dirty="0"/>
           </a:p>
@@ -2758,7 +2758,7 @@
           <a:p>
             <a:fld id="{7A1E630C-C3F3-4A66-A20B-F3CE4CC3331D}" type="datetime4">
               <a:rPr lang="en-GB" smtClean="0"/>
-              <a:t>10 February 2018</a:t>
+              <a:t>10 March 2018</a:t>
             </a:fld>
             <a:endParaRPr lang="en-GB" dirty="0"/>
           </a:p>
@@ -3392,7 +3392,7 @@
           <a:p>
             <a:fld id="{D22C19FE-D082-4640-BFED-203C0E583774}" type="datetime4">
               <a:rPr lang="en-GB" smtClean="0"/>
-              <a:t>10 February 2018</a:t>
+              <a:t>10 March 2018</a:t>
             </a:fld>
             <a:endParaRPr lang="en-GB" dirty="0"/>
           </a:p>
@@ -3868,7 +3868,7 @@
   </p:txStyles>
   <p:extLst mod="1">
     <p:ext uri="{27BBF7A9-308A-43DC-89C8-2F10F3537804}">
-      <p15:sldGuideLst xmlns="" xmlns:p15="http://schemas.microsoft.com/office/powerpoint/2012/main">
+      <p15:sldGuideLst xmlns:p15="http://schemas.microsoft.com/office/powerpoint/2012/main">
         <p15:guide id="1" pos="3772" userDrawn="1">
           <p15:clr>
             <a:srgbClr val="F26B43"/>
@@ -4134,7 +4134,7 @@
           <a:p>
             <a:fld id="{6096F0BA-ECEE-44D1-ABE9-40C67B221300}" type="datetime4">
               <a:rPr lang="en-GB" smtClean="0"/>
-              <a:t>10 February 2018</a:t>
+              <a:t>10 March 2018</a:t>
             </a:fld>
             <a:endParaRPr lang="en-GB" dirty="0"/>
           </a:p>
@@ -4302,7 +4302,7 @@
             <a:fld id="{014A5046-EA5E-455B-A3BC-352818629394}" type="datetime4">
               <a:rPr lang="en-GB" smtClean="0"/>
               <a:pPr/>
-              <a:t>10 February 2018</a:t>
+              <a:t>10 March 2018</a:t>
             </a:fld>
             <a:endParaRPr lang="en-GB" dirty="0"/>
           </a:p>
@@ -4393,22 +4393,19 @@
         </p:nvSpPr>
         <p:spPr>
           <a:xfrm>
-            <a:off x="955343" y="1296538"/>
-            <a:ext cx="10727140" cy="2129051"/>
+            <a:off x="623888" y="956424"/>
+            <a:ext cx="10727140" cy="1712325"/>
           </a:xfrm>
         </p:spPr>
         <p:txBody>
           <a:bodyPr/>
           <a:lstStyle/>
           <a:p>
-            <a:pPr marL="411163" indent="-411163">
+            <a:pPr>
               <a:spcBef>
                 <a:spcPts val="1500"/>
               </a:spcBef>
               <a:buSzPct val="150000"/>
-              <a:buBlip>
-                <a:blip r:embed="rId2"/>
-              </a:buBlip>
             </a:pPr>
             <a:r>
               <a:rPr lang="en-IN" sz="2000" b="0" dirty="0"/>
@@ -4435,18 +4432,19 @@
             <a:endParaRPr lang="en-IN" sz="2000" b="0" dirty="0"/>
           </a:p>
           <a:p>
-            <a:pPr marL="411163" indent="-411163">
+            <a:pPr>
               <a:spcBef>
                 <a:spcPts val="1500"/>
               </a:spcBef>
               <a:buSzPct val="150000"/>
-              <a:buBlip>
-                <a:blip r:embed="rId2"/>
-              </a:buBlip>
             </a:pPr>
             <a:r>
               <a:rPr lang="en-IN" sz="2000" b="0" dirty="0" smtClean="0"/>
-              <a:t>Using this service user can search both </a:t>
+              <a:t>Using </a:t>
+            </a:r>
+            <a:r>
+              <a:rPr lang="en-IN" sz="2000" b="0" dirty="0" smtClean="0"/>
+              <a:t>this service user can search both </a:t>
             </a:r>
             <a:r>
               <a:rPr lang="en-IN" sz="2000" dirty="0" smtClean="0">
@@ -4490,14 +4488,11 @@
             </a:r>
           </a:p>
           <a:p>
-            <a:pPr marL="411163" indent="-411163">
+            <a:pPr>
               <a:spcBef>
                 <a:spcPts val="1500"/>
               </a:spcBef>
               <a:buSzPct val="150000"/>
-              <a:buBlip>
-                <a:blip r:embed="rId2"/>
-              </a:buBlip>
             </a:pPr>
             <a:r>
               <a:rPr lang="en-IN" sz="2000" b="0" dirty="0" smtClean="0"/>
@@ -4524,7 +4519,7 @@
           <a:p>
             <a:fld id="{4FAE0867-24A8-448F-B507-CC8586AA6B96}" type="datetime4">
               <a:rPr lang="en-GB" smtClean="0"/>
-              <a:t>10 February 2018</a:t>
+              <a:t>10 March 2018</a:t>
             </a:fld>
             <a:endParaRPr lang="en-GB" dirty="0"/>
           </a:p>
@@ -4564,8 +4559,8 @@
         </p:nvSpPr>
         <p:spPr>
           <a:xfrm>
-            <a:off x="1518307" y="4276393"/>
-            <a:ext cx="9523867" cy="1332843"/>
+            <a:off x="623888" y="3103843"/>
+            <a:ext cx="10727140" cy="2321053"/>
           </a:xfrm>
           <a:prstGeom prst="rect">
             <a:avLst/>
@@ -4752,6 +4747,23 @@
             </a:lvl9pPr>
           </a:lstStyle>
           <a:p>
+            <a:pPr algn="ctr">
+              <a:spcBef>
+                <a:spcPts val="1500"/>
+              </a:spcBef>
+              <a:buSzPct val="150000"/>
+            </a:pPr>
+            <a:r>
+              <a:rPr lang="en-IN" sz="2000" dirty="0">
+                <a:solidFill>
+                  <a:schemeClr val="accent2"/>
+                </a:solidFill>
+              </a:rPr>
+              <a:t>Processing</a:t>
+            </a:r>
+            <a:endParaRPr lang="en-IN" sz="2000" b="0" dirty="0" smtClean="0"/>
+          </a:p>
+          <a:p>
             <a:pPr marL="411163" indent="-411163">
               <a:spcBef>
                 <a:spcPts val="1500"/>
@@ -4762,10 +4774,26 @@
               </a:buBlip>
             </a:pPr>
             <a:r>
-              <a:rPr lang="en-IN" sz="2000" b="0" dirty="0" smtClean="0"/>
-              <a:t>The input parameters are validated. </a:t>
-            </a:r>
-            <a:endParaRPr lang="en-IN" sz="2000" b="0" dirty="0"/>
+              <a:rPr lang="en-IN" sz="1800" b="0" dirty="0" smtClean="0"/>
+              <a:t>The </a:t>
+            </a:r>
+            <a:r>
+              <a:rPr lang="en-IN" sz="1800" b="0" dirty="0" smtClean="0"/>
+              <a:t>input parameters are </a:t>
+            </a:r>
+            <a:r>
+              <a:rPr lang="en-IN" sz="1800" b="0" dirty="0" smtClean="0"/>
+              <a:t>validated</a:t>
+            </a:r>
+            <a:r>
+              <a:rPr lang="en-IN" sz="1800" b="0" dirty="0"/>
+              <a:t> </a:t>
+            </a:r>
+            <a:r>
+              <a:rPr lang="en-IN" sz="1800" b="0" dirty="0" smtClean="0"/>
+              <a:t>and a query is build</a:t>
+            </a:r>
+            <a:endParaRPr lang="en-IN" sz="1800" b="0" dirty="0"/>
           </a:p>
           <a:p>
             <a:pPr marL="411163" indent="-411163">
@@ -4778,8 +4806,22 @@
               </a:buBlip>
             </a:pPr>
             <a:r>
-              <a:rPr lang="en-IN" sz="2000" b="0" dirty="0" smtClean="0"/>
-              <a:t>A query is created based on the input criteria </a:t>
+              <a:rPr lang="en-US" sz="1800" b="0" dirty="0" smtClean="0">
+                <a:solidFill>
+                  <a:srgbClr val="000000"/>
+                </a:solidFill>
+                <a:latin typeface="Arial" panose="020B0604020202020204" pitchFamily="34" charset="0"/>
+              </a:rPr>
+              <a:t>If </a:t>
+            </a:r>
+            <a:r>
+              <a:rPr lang="en-US" sz="1800" b="0" dirty="0">
+                <a:solidFill>
+                  <a:srgbClr val="000000"/>
+                </a:solidFill>
+                <a:latin typeface="Arial" panose="020B0604020202020204" pitchFamily="34" charset="0"/>
+              </a:rPr>
+              <a:t>‘queue name’ is defined, the service adds a filtering criteria with that value to the query, and the service adds a criteria for active payments P_IS_HISTORY =0 to the query, as default. See Service Functions to learn more about other processing scenarios. </a:t>
             </a:r>
           </a:p>
           <a:p>
@@ -4793,16 +4835,20 @@
               </a:buBlip>
             </a:pPr>
             <a:r>
-              <a:rPr lang="en-IN" sz="2000" b="0" dirty="0" smtClean="0"/>
-              <a:t>The response is sent.</a:t>
-            </a:r>
-            <a:endParaRPr lang="en-IN" sz="2000" b="0" dirty="0"/>
-          </a:p>
-        </p:txBody>
-      </p:sp>
-      <p:sp>
-        <p:nvSpPr>
-          <p:cNvPr id="7" name="Content Placeholder 2"/>
+              <a:rPr lang="en-IN" sz="1800" b="0" dirty="0" smtClean="0"/>
+              <a:t>The </a:t>
+            </a:r>
+            <a:r>
+              <a:rPr lang="en-IN" sz="1800" b="0" dirty="0" smtClean="0"/>
+              <a:t>response is sent.</a:t>
+            </a:r>
+            <a:endParaRPr lang="en-IN" sz="1800" b="0" dirty="0"/>
+          </a:p>
+        </p:txBody>
+      </p:sp>
+      <p:sp>
+        <p:nvSpPr>
+          <p:cNvPr id="8" name="Title 1"/>
           <p:cNvSpPr txBox="1">
             <a:spLocks/>
           </p:cNvSpPr>
@@ -4810,213 +4856,68 @@
         </p:nvSpPr>
         <p:spPr>
           <a:xfrm>
-            <a:off x="916671" y="3512084"/>
-            <a:ext cx="10727140" cy="309304"/>
+            <a:off x="623888" y="175846"/>
+            <a:ext cx="9692420" cy="668216"/>
           </a:xfrm>
           <a:prstGeom prst="rect">
             <a:avLst/>
           </a:prstGeom>
         </p:spPr>
         <p:txBody>
-          <a:bodyPr vert="horz" lIns="0" tIns="0" rIns="0" bIns="0" rtlCol="0" anchor="t" anchorCtr="0">
-            <a:noAutofit/>
-          </a:bodyPr>
+          <a:bodyPr/>
           <a:lstStyle>
-            <a:lvl1pPr marL="0" indent="0" algn="l" defTabSz="914400" rtl="0" eaLnBrk="1" latinLnBrk="0" hangingPunct="1">
+            <a:lvl1pPr algn="l" defTabSz="914400" rtl="0" eaLnBrk="1" latinLnBrk="0" hangingPunct="1">
               <a:lnSpc>
-                <a:spcPct val="90000"/>
+                <a:spcPct val="80000"/>
               </a:lnSpc>
               <a:spcBef>
-                <a:spcPts val="1200"/>
+                <a:spcPct val="0"/>
               </a:spcBef>
-              <a:buFont typeface="Arial" panose="020B0604020202020204" pitchFamily="34" charset="0"/>
               <a:buNone/>
-              <a:defRPr sz="3600" b="1" kern="1200">
+              <a:defRPr sz="2400" b="1" kern="1200" cap="all" baseline="0">
                 <a:solidFill>
                   <a:schemeClr val="tx2"/>
                 </a:solidFill>
-                <a:latin typeface="+mn-lt"/>
-                <a:ea typeface="+mn-ea"/>
-                <a:cs typeface="+mn-cs"/>
+                <a:latin typeface="+mj-lt"/>
+                <a:ea typeface="+mj-ea"/>
+                <a:cs typeface="+mj-cs"/>
               </a:defRPr>
             </a:lvl1pPr>
-            <a:lvl2pPr marL="0" indent="0" algn="l" defTabSz="914400" rtl="0" eaLnBrk="1" latinLnBrk="0" hangingPunct="1">
-              <a:lnSpc>
-                <a:spcPct val="90000"/>
-              </a:lnSpc>
-              <a:spcBef>
-                <a:spcPts val="1800"/>
-              </a:spcBef>
-              <a:buClr>
-                <a:schemeClr val="tx2"/>
-              </a:buClr>
-              <a:buFont typeface="Arial" panose="020B0604020202020204" pitchFamily="34" charset="0"/>
-              <a:buNone/>
-              <a:defRPr sz="1600" b="0" kern="1200">
-                <a:solidFill>
-                  <a:schemeClr val="tx2"/>
-                </a:solidFill>
-                <a:latin typeface="+mn-lt"/>
-                <a:ea typeface="+mn-ea"/>
-                <a:cs typeface="+mn-cs"/>
-              </a:defRPr>
-            </a:lvl2pPr>
-            <a:lvl3pPr marL="395288" indent="-158750" algn="l" defTabSz="914400" rtl="0" eaLnBrk="1" latinLnBrk="0" hangingPunct="1">
-              <a:lnSpc>
-                <a:spcPct val="90000"/>
-              </a:lnSpc>
-              <a:spcBef>
-                <a:spcPts val="500"/>
-              </a:spcBef>
-              <a:buClr>
-                <a:schemeClr val="tx2"/>
-              </a:buClr>
-              <a:buFont typeface="Arial" panose="020B0604020202020204" pitchFamily="34" charset="0"/>
-              <a:buChar char="–"/>
-              <a:defRPr sz="1400" kern="1200">
-                <a:solidFill>
-                  <a:schemeClr val="tx2"/>
-                </a:solidFill>
-                <a:latin typeface="+mn-lt"/>
-                <a:ea typeface="+mn-ea"/>
-                <a:cs typeface="+mn-cs"/>
-              </a:defRPr>
-            </a:lvl3pPr>
-            <a:lvl4pPr marL="587375" indent="-144463" algn="l" defTabSz="914400" rtl="0" eaLnBrk="1" latinLnBrk="0" hangingPunct="1">
-              <a:lnSpc>
-                <a:spcPct val="90000"/>
-              </a:lnSpc>
-              <a:spcBef>
-                <a:spcPts val="300"/>
-              </a:spcBef>
-              <a:buClr>
-                <a:schemeClr val="tx2"/>
-              </a:buClr>
-              <a:buFont typeface="Arial" panose="020B0604020202020204" pitchFamily="34" charset="0"/>
-              <a:buChar char="•"/>
-              <a:defRPr sz="1200" kern="1200">
-                <a:solidFill>
-                  <a:schemeClr val="tx2"/>
-                </a:solidFill>
-                <a:latin typeface="+mn-lt"/>
-                <a:ea typeface="+mn-ea"/>
-                <a:cs typeface="+mn-cs"/>
-              </a:defRPr>
-            </a:lvl4pPr>
-            <a:lvl5pPr marL="766763" indent="-153988" algn="l" defTabSz="914400" rtl="0" eaLnBrk="1" latinLnBrk="0" hangingPunct="1">
-              <a:lnSpc>
-                <a:spcPct val="90000"/>
-              </a:lnSpc>
-              <a:spcBef>
-                <a:spcPts val="300"/>
-              </a:spcBef>
-              <a:buClr>
-                <a:schemeClr val="tx2"/>
-              </a:buClr>
-              <a:buFont typeface="Arial" panose="020B0604020202020204" pitchFamily="34" charset="0"/>
-              <a:buChar char="–"/>
-              <a:defRPr sz="1200" kern="1200">
-                <a:solidFill>
-                  <a:schemeClr val="tx2"/>
-                </a:solidFill>
-                <a:latin typeface="+mn-lt"/>
-                <a:ea typeface="+mn-ea"/>
-                <a:cs typeface="+mn-cs"/>
-              </a:defRPr>
-            </a:lvl5pPr>
-            <a:lvl6pPr marL="2514600" indent="-228600" algn="l" defTabSz="914400" rtl="0" eaLnBrk="1" latinLnBrk="0" hangingPunct="1">
-              <a:lnSpc>
-                <a:spcPct val="90000"/>
-              </a:lnSpc>
-              <a:spcBef>
-                <a:spcPts val="500"/>
-              </a:spcBef>
-              <a:buFont typeface="Arial" panose="020B0604020202020204" pitchFamily="34" charset="0"/>
-              <a:buChar char="•"/>
-              <a:defRPr sz="1800" kern="1200">
-                <a:solidFill>
-                  <a:schemeClr val="tx1"/>
-                </a:solidFill>
-                <a:latin typeface="+mn-lt"/>
-                <a:ea typeface="+mn-ea"/>
-                <a:cs typeface="+mn-cs"/>
-              </a:defRPr>
-            </a:lvl6pPr>
-            <a:lvl7pPr marL="2971800" indent="-228600" algn="l" defTabSz="914400" rtl="0" eaLnBrk="1" latinLnBrk="0" hangingPunct="1">
-              <a:lnSpc>
-                <a:spcPct val="90000"/>
-              </a:lnSpc>
-              <a:spcBef>
-                <a:spcPts val="500"/>
-              </a:spcBef>
-              <a:buFont typeface="Arial" panose="020B0604020202020204" pitchFamily="34" charset="0"/>
-              <a:buChar char="•"/>
-              <a:defRPr sz="1800" kern="1200">
-                <a:solidFill>
-                  <a:schemeClr val="tx1"/>
-                </a:solidFill>
-                <a:latin typeface="+mn-lt"/>
-                <a:ea typeface="+mn-ea"/>
-                <a:cs typeface="+mn-cs"/>
-              </a:defRPr>
-            </a:lvl7pPr>
-            <a:lvl8pPr marL="3429000" indent="-228600" algn="l" defTabSz="914400" rtl="0" eaLnBrk="1" latinLnBrk="0" hangingPunct="1">
-              <a:lnSpc>
-                <a:spcPct val="90000"/>
-              </a:lnSpc>
-              <a:spcBef>
-                <a:spcPts val="500"/>
-              </a:spcBef>
-              <a:buFont typeface="Arial" panose="020B0604020202020204" pitchFamily="34" charset="0"/>
-              <a:buChar char="•"/>
-              <a:defRPr sz="1800" kern="1200">
-                <a:solidFill>
-                  <a:schemeClr val="tx1"/>
-                </a:solidFill>
-                <a:latin typeface="+mn-lt"/>
-                <a:ea typeface="+mn-ea"/>
-                <a:cs typeface="+mn-cs"/>
-              </a:defRPr>
-            </a:lvl8pPr>
-            <a:lvl9pPr marL="3886200" indent="-228600" algn="l" defTabSz="914400" rtl="0" eaLnBrk="1" latinLnBrk="0" hangingPunct="1">
-              <a:lnSpc>
-                <a:spcPct val="90000"/>
-              </a:lnSpc>
-              <a:spcBef>
-                <a:spcPts val="500"/>
-              </a:spcBef>
-              <a:buFont typeface="Arial" panose="020B0604020202020204" pitchFamily="34" charset="0"/>
-              <a:buChar char="•"/>
-              <a:defRPr sz="1800" kern="1200">
-                <a:solidFill>
-                  <a:schemeClr val="tx1"/>
-                </a:solidFill>
-                <a:latin typeface="+mn-lt"/>
-                <a:ea typeface="+mn-ea"/>
-                <a:cs typeface="+mn-cs"/>
-              </a:defRPr>
-            </a:lvl9pPr>
           </a:lstStyle>
           <a:p>
-            <a:pPr>
-              <a:spcBef>
-                <a:spcPts val="1500"/>
-              </a:spcBef>
-              <a:buSzPct val="150000"/>
-            </a:pPr>
-            <a:r>
-              <a:rPr lang="en-IN" sz="2000" b="0" dirty="0" smtClean="0"/>
-              <a:t> </a:t>
-            </a:r>
-            <a:r>
-              <a:rPr lang="en-IN" sz="3200" dirty="0" smtClean="0"/>
-              <a:t>Processing</a:t>
-            </a:r>
-            <a:r>
-              <a:rPr lang="en-IN" sz="2000" b="0" dirty="0" smtClean="0"/>
-              <a:t>. </a:t>
-            </a:r>
-            <a:endParaRPr lang="en-IN" sz="2000" b="0" dirty="0"/>
+            <a:r>
+              <a:rPr lang="en-IN" dirty="0" smtClean="0">
+                <a:solidFill>
+                  <a:schemeClr val="tx1">
+                    <a:lumMod val="75000"/>
+                    <a:lumOff val="25000"/>
+                  </a:schemeClr>
+                </a:solidFill>
+              </a:rPr>
+              <a:t>Queue list SERVICE</a:t>
+            </a:r>
+            <a:r>
+              <a:rPr lang="en-IN" dirty="0" smtClean="0">
+                <a:solidFill>
+                  <a:schemeClr val="tx1">
+                    <a:lumMod val="75000"/>
+                    <a:lumOff val="25000"/>
+                  </a:schemeClr>
+                </a:solidFill>
+              </a:rPr>
+              <a:t/>
+            </a:r>
+            <a:br>
+              <a:rPr lang="en-IN" dirty="0" smtClean="0">
+                <a:solidFill>
+                  <a:schemeClr val="tx1">
+                    <a:lumMod val="75000"/>
+                    <a:lumOff val="25000"/>
+                  </a:schemeClr>
+                </a:solidFill>
+              </a:rPr>
+            </a:br>
+            <a:endParaRPr lang="en-US" dirty="0"/>
           </a:p>
         </p:txBody>
       </p:sp>
@@ -5069,13 +4970,46 @@
         </p:nvSpPr>
         <p:spPr>
           <a:xfrm>
-            <a:off x="955343" y="1473962"/>
-            <a:ext cx="10727140" cy="436725"/>
+            <a:off x="633720" y="1286318"/>
+            <a:ext cx="10727140" cy="3767463"/>
           </a:xfrm>
         </p:spPr>
         <p:txBody>
           <a:bodyPr/>
           <a:lstStyle/>
+          <a:p>
+            <a:pPr>
+              <a:spcBef>
+                <a:spcPts val="1500"/>
+              </a:spcBef>
+              <a:buSzPct val="150000"/>
+            </a:pPr>
+            <a:r>
+              <a:rPr lang="en-IN" sz="2000" b="0" dirty="0"/>
+              <a:t>The filtering criteria </a:t>
+            </a:r>
+            <a:r>
+              <a:rPr lang="en-IN" sz="2000" b="0" dirty="0" smtClean="0"/>
+              <a:t>may consist </a:t>
+            </a:r>
+            <a:r>
+              <a:rPr lang="en-IN" sz="2000" b="0" dirty="0"/>
+              <a:t>of one or more conditions with the following structure</a:t>
+            </a:r>
+            <a:r>
+              <a:rPr lang="en-IN" sz="2000" b="0" dirty="0" smtClean="0"/>
+              <a:t>:</a:t>
+            </a:r>
+          </a:p>
+          <a:p>
+            <a:pPr>
+              <a:spcBef>
+                <a:spcPts val="1500"/>
+              </a:spcBef>
+              <a:buSzPct val="150000"/>
+            </a:pPr>
+            <a:endParaRPr lang="en-IN" sz="2000" b="0" dirty="0" smtClean="0"/>
+          </a:p>
           <a:p>
             <a:pPr marL="411163" indent="-411163">
               <a:spcBef>
@@ -5087,264 +5021,98 @@
               </a:buBlip>
             </a:pPr>
             <a:r>
-              <a:rPr lang="en-IN" sz="2000" b="0" dirty="0"/>
-              <a:t>The filtering criteria </a:t>
-            </a:r>
-            <a:r>
-              <a:rPr lang="en-IN" sz="2000" b="0" dirty="0" smtClean="0"/>
-              <a:t>may consist </a:t>
-            </a:r>
-            <a:r>
-              <a:rPr lang="en-IN" sz="2000" b="0" dirty="0"/>
-              <a:t>of one or more conditions with the following structure: </a:t>
-            </a:r>
-          </a:p>
-        </p:txBody>
-      </p:sp>
-      <p:sp>
-        <p:nvSpPr>
-          <p:cNvPr id="4" name="Date Placeholder 3"/>
-          <p:cNvSpPr>
-            <a:spLocks noGrp="1"/>
-          </p:cNvSpPr>
-          <p:nvPr>
-            <p:ph type="dt" sz="half" idx="10"/>
-          </p:nvPr>
-        </p:nvSpPr>
-        <p:spPr/>
-        <p:txBody>
-          <a:bodyPr/>
-          <a:lstStyle/>
-          <a:p>
-            <a:fld id="{4FAE0867-24A8-448F-B507-CC8586AA6B96}" type="datetime4">
-              <a:rPr lang="en-GB" smtClean="0"/>
-              <a:t>10 February 2018</a:t>
-            </a:fld>
-            <a:endParaRPr lang="en-GB" dirty="0"/>
-          </a:p>
-        </p:txBody>
-      </p:sp>
-      <p:sp>
-        <p:nvSpPr>
-          <p:cNvPr id="5" name="Slide Number Placeholder 4"/>
-          <p:cNvSpPr>
-            <a:spLocks noGrp="1"/>
-          </p:cNvSpPr>
-          <p:nvPr>
-            <p:ph type="sldNum" sz="quarter" idx="12"/>
-          </p:nvPr>
-        </p:nvSpPr>
-        <p:spPr/>
-        <p:txBody>
-          <a:bodyPr/>
-          <a:lstStyle/>
-          <a:p>
-            <a:fld id="{04095909-DC86-4C28-AD6E-431C997D4893}" type="slidenum">
-              <a:rPr lang="en-GB" smtClean="0"/>
-              <a:pPr/>
-              <a:t>5</a:t>
-            </a:fld>
-            <a:endParaRPr lang="en-GB" dirty="0"/>
-          </a:p>
-        </p:txBody>
-      </p:sp>
-      <p:sp>
-        <p:nvSpPr>
-          <p:cNvPr id="6" name="Content Placeholder 2"/>
-          <p:cNvSpPr txBox="1">
-            <a:spLocks/>
-          </p:cNvSpPr>
-          <p:nvPr/>
-        </p:nvSpPr>
-        <p:spPr>
-          <a:xfrm>
-            <a:off x="1518310" y="4055656"/>
-            <a:ext cx="9727448" cy="1878747"/>
-          </a:xfrm>
-          <a:prstGeom prst="rect">
-            <a:avLst/>
-          </a:prstGeom>
-        </p:spPr>
-        <p:txBody>
-          <a:bodyPr vert="horz" lIns="0" tIns="0" rIns="0" bIns="0" rtlCol="0" anchor="t" anchorCtr="0">
-            <a:noAutofit/>
-          </a:bodyPr>
-          <a:lstStyle>
-            <a:lvl1pPr marL="0" indent="0" algn="l" defTabSz="914400" rtl="0" eaLnBrk="1" latinLnBrk="0" hangingPunct="1">
-              <a:lnSpc>
-                <a:spcPct val="90000"/>
-              </a:lnSpc>
+              <a:rPr lang="en-US" sz="2000" b="0" dirty="0" smtClean="0">
+                <a:solidFill>
+                  <a:srgbClr val="000000"/>
+                </a:solidFill>
+                <a:latin typeface="Arial" panose="020B0604020202020204" pitchFamily="34" charset="0"/>
+              </a:rPr>
+              <a:t>Define </a:t>
+            </a:r>
+            <a:r>
+              <a:rPr lang="en-US" sz="2000" b="0" dirty="0">
+                <a:solidFill>
+                  <a:srgbClr val="000000"/>
+                </a:solidFill>
+                <a:latin typeface="Arial" panose="020B0604020202020204" pitchFamily="34" charset="0"/>
+              </a:rPr>
+              <a:t>the condition number (</a:t>
+            </a:r>
+            <a:r>
+              <a:rPr lang="en-US" sz="2000" b="0" dirty="0" err="1">
+                <a:solidFill>
+                  <a:schemeClr val="accent2"/>
+                </a:solidFill>
+                <a:latin typeface="Arial" panose="020B0604020202020204" pitchFamily="34" charset="0"/>
+              </a:rPr>
+              <a:t>cond</a:t>
+            </a:r>
+            <a:r>
+              <a:rPr lang="en-US" sz="2000" b="0" dirty="0">
+                <a:solidFill>
+                  <a:schemeClr val="accent2"/>
+                </a:solidFill>
+                <a:latin typeface="Arial" panose="020B0604020202020204" pitchFamily="34" charset="0"/>
+              </a:rPr>
+              <a:t> </a:t>
+            </a:r>
+            <a:r>
+              <a:rPr lang="en-US" sz="2000" b="0" dirty="0" err="1">
+                <a:solidFill>
+                  <a:schemeClr val="accent2"/>
+                </a:solidFill>
+                <a:latin typeface="Arial" panose="020B0604020202020204" pitchFamily="34" charset="0"/>
+              </a:rPr>
+              <a:t>lineNumber</a:t>
+            </a:r>
+            <a:r>
+              <a:rPr lang="en-US" sz="2000" b="0" dirty="0">
+                <a:solidFill>
+                  <a:srgbClr val="000000"/>
+                </a:solidFill>
+                <a:latin typeface="Arial" panose="020B0604020202020204" pitchFamily="34" charset="0"/>
+              </a:rPr>
+              <a:t>) starting with zero, then define the first field or function to match with (</a:t>
+            </a:r>
+            <a:r>
+              <a:rPr lang="en-US" sz="2000" b="0" dirty="0" err="1">
+                <a:solidFill>
+                  <a:schemeClr val="accent2"/>
+                </a:solidFill>
+                <a:latin typeface="Arial" panose="020B0604020202020204" pitchFamily="34" charset="0"/>
+              </a:rPr>
+              <a:t>leftVal</a:t>
+            </a:r>
+            <a:r>
+              <a:rPr lang="en-US" sz="2000" b="0" dirty="0">
+                <a:solidFill>
+                  <a:srgbClr val="000000"/>
+                </a:solidFill>
+                <a:latin typeface="Arial" panose="020B0604020202020204" pitchFamily="34" charset="0"/>
+              </a:rPr>
+              <a:t>) where the CT (i.e. criterion) may be ‘Field’ or ‘Function’, then the CT value (value) specifying a logical field ID, the logical field ID must come between quotation marks. </a:t>
+            </a:r>
+            <a:endParaRPr lang="en-US" sz="2000" b="0" dirty="0" smtClean="0">
+              <a:solidFill>
+                <a:srgbClr val="000000"/>
+              </a:solidFill>
+              <a:latin typeface="Arial" panose="020B0604020202020204" pitchFamily="34" charset="0"/>
+            </a:endParaRPr>
+          </a:p>
+          <a:p>
+            <a:pPr>
               <a:spcBef>
-                <a:spcPts val="1200"/>
+                <a:spcPts val="1500"/>
               </a:spcBef>
-              <a:buFont typeface="Arial" panose="020B0604020202020204" pitchFamily="34" charset="0"/>
-              <a:buNone/>
-              <a:defRPr sz="3600" b="1" kern="1200">
-                <a:solidFill>
-                  <a:schemeClr val="tx2"/>
-                </a:solidFill>
-                <a:latin typeface="+mn-lt"/>
-                <a:ea typeface="+mn-ea"/>
-                <a:cs typeface="+mn-cs"/>
-              </a:defRPr>
-            </a:lvl1pPr>
-            <a:lvl2pPr marL="0" indent="0" algn="l" defTabSz="914400" rtl="0" eaLnBrk="1" latinLnBrk="0" hangingPunct="1">
-              <a:lnSpc>
-                <a:spcPct val="90000"/>
-              </a:lnSpc>
-              <a:spcBef>
-                <a:spcPts val="1800"/>
-              </a:spcBef>
-              <a:buClr>
-                <a:schemeClr val="tx2"/>
-              </a:buClr>
-              <a:buFont typeface="Arial" panose="020B0604020202020204" pitchFamily="34" charset="0"/>
-              <a:buNone/>
-              <a:defRPr sz="1600" b="0" kern="1200">
-                <a:solidFill>
-                  <a:schemeClr val="tx2"/>
-                </a:solidFill>
-                <a:latin typeface="+mn-lt"/>
-                <a:ea typeface="+mn-ea"/>
-                <a:cs typeface="+mn-cs"/>
-              </a:defRPr>
-            </a:lvl2pPr>
-            <a:lvl3pPr marL="395288" indent="-158750" algn="l" defTabSz="914400" rtl="0" eaLnBrk="1" latinLnBrk="0" hangingPunct="1">
-              <a:lnSpc>
-                <a:spcPct val="90000"/>
-              </a:lnSpc>
-              <a:spcBef>
-                <a:spcPts val="500"/>
-              </a:spcBef>
-              <a:buClr>
-                <a:schemeClr val="tx2"/>
-              </a:buClr>
-              <a:buFont typeface="Arial" panose="020B0604020202020204" pitchFamily="34" charset="0"/>
-              <a:buChar char="–"/>
-              <a:defRPr sz="1400" kern="1200">
-                <a:solidFill>
-                  <a:schemeClr val="tx2"/>
-                </a:solidFill>
-                <a:latin typeface="+mn-lt"/>
-                <a:ea typeface="+mn-ea"/>
-                <a:cs typeface="+mn-cs"/>
-              </a:defRPr>
-            </a:lvl3pPr>
-            <a:lvl4pPr marL="587375" indent="-144463" algn="l" defTabSz="914400" rtl="0" eaLnBrk="1" latinLnBrk="0" hangingPunct="1">
-              <a:lnSpc>
-                <a:spcPct val="90000"/>
-              </a:lnSpc>
-              <a:spcBef>
-                <a:spcPts val="300"/>
-              </a:spcBef>
-              <a:buClr>
-                <a:schemeClr val="tx2"/>
-              </a:buClr>
-              <a:buFont typeface="Arial" panose="020B0604020202020204" pitchFamily="34" charset="0"/>
-              <a:buChar char="•"/>
-              <a:defRPr sz="1200" kern="1200">
-                <a:solidFill>
-                  <a:schemeClr val="tx2"/>
-                </a:solidFill>
-                <a:latin typeface="+mn-lt"/>
-                <a:ea typeface="+mn-ea"/>
-                <a:cs typeface="+mn-cs"/>
-              </a:defRPr>
-            </a:lvl4pPr>
-            <a:lvl5pPr marL="766763" indent="-153988" algn="l" defTabSz="914400" rtl="0" eaLnBrk="1" latinLnBrk="0" hangingPunct="1">
-              <a:lnSpc>
-                <a:spcPct val="90000"/>
-              </a:lnSpc>
-              <a:spcBef>
-                <a:spcPts val="300"/>
-              </a:spcBef>
-              <a:buClr>
-                <a:schemeClr val="tx2"/>
-              </a:buClr>
-              <a:buFont typeface="Arial" panose="020B0604020202020204" pitchFamily="34" charset="0"/>
-              <a:buChar char="–"/>
-              <a:defRPr sz="1200" kern="1200">
-                <a:solidFill>
-                  <a:schemeClr val="tx2"/>
-                </a:solidFill>
-                <a:latin typeface="+mn-lt"/>
-                <a:ea typeface="+mn-ea"/>
-                <a:cs typeface="+mn-cs"/>
-              </a:defRPr>
-            </a:lvl5pPr>
-            <a:lvl6pPr marL="2514600" indent="-228600" algn="l" defTabSz="914400" rtl="0" eaLnBrk="1" latinLnBrk="0" hangingPunct="1">
-              <a:lnSpc>
-                <a:spcPct val="90000"/>
-              </a:lnSpc>
-              <a:spcBef>
-                <a:spcPts val="500"/>
-              </a:spcBef>
-              <a:buFont typeface="Arial" panose="020B0604020202020204" pitchFamily="34" charset="0"/>
-              <a:buChar char="•"/>
-              <a:defRPr sz="1800" kern="1200">
-                <a:solidFill>
-                  <a:schemeClr val="tx1"/>
-                </a:solidFill>
-                <a:latin typeface="+mn-lt"/>
-                <a:ea typeface="+mn-ea"/>
-                <a:cs typeface="+mn-cs"/>
-              </a:defRPr>
-            </a:lvl6pPr>
-            <a:lvl7pPr marL="2971800" indent="-228600" algn="l" defTabSz="914400" rtl="0" eaLnBrk="1" latinLnBrk="0" hangingPunct="1">
-              <a:lnSpc>
-                <a:spcPct val="90000"/>
-              </a:lnSpc>
-              <a:spcBef>
-                <a:spcPts val="500"/>
-              </a:spcBef>
-              <a:buFont typeface="Arial" panose="020B0604020202020204" pitchFamily="34" charset="0"/>
-              <a:buChar char="•"/>
-              <a:defRPr sz="1800" kern="1200">
-                <a:solidFill>
-                  <a:schemeClr val="tx1"/>
-                </a:solidFill>
-                <a:latin typeface="+mn-lt"/>
-                <a:ea typeface="+mn-ea"/>
-                <a:cs typeface="+mn-cs"/>
-              </a:defRPr>
-            </a:lvl7pPr>
-            <a:lvl8pPr marL="3429000" indent="-228600" algn="l" defTabSz="914400" rtl="0" eaLnBrk="1" latinLnBrk="0" hangingPunct="1">
-              <a:lnSpc>
-                <a:spcPct val="90000"/>
-              </a:lnSpc>
-              <a:spcBef>
-                <a:spcPts val="500"/>
-              </a:spcBef>
-              <a:buFont typeface="Arial" panose="020B0604020202020204" pitchFamily="34" charset="0"/>
-              <a:buChar char="•"/>
-              <a:defRPr sz="1800" kern="1200">
-                <a:solidFill>
-                  <a:schemeClr val="tx1"/>
-                </a:solidFill>
-                <a:latin typeface="+mn-lt"/>
-                <a:ea typeface="+mn-ea"/>
-                <a:cs typeface="+mn-cs"/>
-              </a:defRPr>
-            </a:lvl8pPr>
-            <a:lvl9pPr marL="3886200" indent="-228600" algn="l" defTabSz="914400" rtl="0" eaLnBrk="1" latinLnBrk="0" hangingPunct="1">
-              <a:lnSpc>
-                <a:spcPct val="90000"/>
-              </a:lnSpc>
-              <a:spcBef>
-                <a:spcPts val="500"/>
-              </a:spcBef>
-              <a:buFont typeface="Arial" panose="020B0604020202020204" pitchFamily="34" charset="0"/>
-              <a:buChar char="•"/>
-              <a:defRPr sz="1800" kern="1200">
-                <a:solidFill>
-                  <a:schemeClr val="tx1"/>
-                </a:solidFill>
-                <a:latin typeface="+mn-lt"/>
-                <a:ea typeface="+mn-ea"/>
-                <a:cs typeface="+mn-cs"/>
-              </a:defRPr>
-            </a:lvl9pPr>
-          </a:lstStyle>
+              <a:buSzPct val="150000"/>
+            </a:pPr>
+            <a:endParaRPr lang="en-US" sz="2000" b="0" dirty="0" smtClean="0">
+              <a:solidFill>
+                <a:srgbClr val="000000"/>
+              </a:solidFill>
+              <a:latin typeface="Arial" panose="020B0604020202020204" pitchFamily="34" charset="0"/>
+            </a:endParaRPr>
+          </a:p>
           <a:p>
             <a:pPr marL="411163" indent="-411163">
               <a:spcBef>
@@ -5356,28 +5124,58 @@
               </a:buBlip>
             </a:pPr>
             <a:r>
-              <a:rPr lang="en-IN" sz="2000" b="0" dirty="0"/>
-              <a:t>Define the second field or function to match with (</a:t>
-            </a:r>
-            <a:r>
-              <a:rPr lang="en-IN" sz="2000" b="0" dirty="0" err="1"/>
+              <a:rPr lang="en-US" sz="2000" b="0" dirty="0" smtClean="0">
+                <a:solidFill>
+                  <a:srgbClr val="000000"/>
+                </a:solidFill>
+                <a:latin typeface="Arial" panose="020B0604020202020204" pitchFamily="34" charset="0"/>
+              </a:rPr>
+              <a:t>Define </a:t>
+            </a:r>
+            <a:r>
+              <a:rPr lang="en-US" sz="2000" b="0" dirty="0">
+                <a:solidFill>
+                  <a:srgbClr val="000000"/>
+                </a:solidFill>
+                <a:latin typeface="Arial" panose="020B0604020202020204" pitchFamily="34" charset="0"/>
+              </a:rPr>
+              <a:t>the second field or function to match with (</a:t>
+            </a:r>
+            <a:r>
+              <a:rPr lang="en-US" sz="2000" b="0" dirty="0" err="1">
+                <a:solidFill>
+                  <a:schemeClr val="accent2"/>
+                </a:solidFill>
+                <a:latin typeface="Arial" panose="020B0604020202020204" pitchFamily="34" charset="0"/>
+              </a:rPr>
               <a:t>rightVal</a:t>
             </a:r>
             <a:r>
-              <a:rPr lang="en-IN" sz="2000" b="0" dirty="0"/>
+              <a:rPr lang="en-US" sz="2000" b="0" dirty="0">
+                <a:solidFill>
+                  <a:srgbClr val="000000"/>
+                </a:solidFill>
+                <a:latin typeface="Arial" panose="020B0604020202020204" pitchFamily="34" charset="0"/>
+              </a:rPr>
               <a:t>) where the CT (i.e. criterion) may be ‘Field’, ‘Function’ or ‘</a:t>
             </a:r>
             <a:r>
-              <a:rPr lang="en-IN" sz="2000" b="0" dirty="0" err="1"/>
+              <a:rPr lang="en-US" sz="2000" b="0" dirty="0" err="1">
+                <a:solidFill>
+                  <a:srgbClr val="000000"/>
+                </a:solidFill>
+                <a:latin typeface="Arial" panose="020B0604020202020204" pitchFamily="34" charset="0"/>
+              </a:rPr>
               <a:t>InList</a:t>
             </a:r>
             <a:r>
-              <a:rPr lang="en-IN" sz="2000" b="0" dirty="0"/>
-              <a:t>’ and value is the value to compare to</a:t>
-            </a:r>
-            <a:r>
-              <a:rPr lang="en-IN" sz="2000" b="0" dirty="0" smtClean="0"/>
-              <a:t>.</a:t>
+              <a:rPr lang="en-US" sz="2000" b="0" dirty="0">
+                <a:solidFill>
+                  <a:srgbClr val="000000"/>
+                </a:solidFill>
+                <a:latin typeface="Arial" panose="020B0604020202020204" pitchFamily="34" charset="0"/>
+              </a:rPr>
+              <a:t>’ and value is the value to compare to. The value must come between quotation marks. </a:t>
             </a:r>
             <a:endParaRPr lang="en-IN" sz="2000" b="0" dirty="0"/>
           </a:p>
@@ -5385,7 +5183,54 @@
       </p:sp>
       <p:sp>
         <p:nvSpPr>
-          <p:cNvPr id="7" name="Content Placeholder 2"/>
+          <p:cNvPr id="4" name="Date Placeholder 3"/>
+          <p:cNvSpPr>
+            <a:spLocks noGrp="1"/>
+          </p:cNvSpPr>
+          <p:nvPr>
+            <p:ph type="dt" sz="half" idx="10"/>
+          </p:nvPr>
+        </p:nvSpPr>
+        <p:spPr/>
+        <p:txBody>
+          <a:bodyPr/>
+          <a:lstStyle/>
+          <a:p>
+            <a:fld id="{4FAE0867-24A8-448F-B507-CC8586AA6B96}" type="datetime4">
+              <a:rPr lang="en-GB" smtClean="0"/>
+              <a:t>10 March 2018</a:t>
+            </a:fld>
+            <a:endParaRPr lang="en-GB" dirty="0"/>
+          </a:p>
+        </p:txBody>
+      </p:sp>
+      <p:sp>
+        <p:nvSpPr>
+          <p:cNvPr id="5" name="Slide Number Placeholder 4"/>
+          <p:cNvSpPr>
+            <a:spLocks noGrp="1"/>
+          </p:cNvSpPr>
+          <p:nvPr>
+            <p:ph type="sldNum" sz="quarter" idx="12"/>
+          </p:nvPr>
+        </p:nvSpPr>
+        <p:spPr/>
+        <p:txBody>
+          <a:bodyPr/>
+          <a:lstStyle/>
+          <a:p>
+            <a:fld id="{04095909-DC86-4C28-AD6E-431C997D4893}" type="slidenum">
+              <a:rPr lang="en-GB" smtClean="0"/>
+              <a:pPr/>
+              <a:t>5</a:t>
+            </a:fld>
+            <a:endParaRPr lang="en-GB" dirty="0"/>
+          </a:p>
+        </p:txBody>
+      </p:sp>
+      <p:sp>
+        <p:nvSpPr>
+          <p:cNvPr id="9" name="Title 1"/>
           <p:cNvSpPr txBox="1">
             <a:spLocks/>
           </p:cNvSpPr>
@@ -5393,491 +5238,68 @@
         </p:nvSpPr>
         <p:spPr>
           <a:xfrm>
-            <a:off x="1012205" y="641541"/>
-            <a:ext cx="4979162" cy="573109"/>
+            <a:off x="633720" y="322218"/>
+            <a:ext cx="9692420" cy="668216"/>
           </a:xfrm>
           <a:prstGeom prst="rect">
             <a:avLst/>
           </a:prstGeom>
         </p:spPr>
         <p:txBody>
-          <a:bodyPr vert="horz" lIns="0" tIns="0" rIns="0" bIns="0" rtlCol="0" anchor="t" anchorCtr="0">
-            <a:noAutofit/>
-          </a:bodyPr>
+          <a:bodyPr/>
           <a:lstStyle>
-            <a:lvl1pPr marL="0" indent="0" algn="l" defTabSz="914400" rtl="0" eaLnBrk="1" latinLnBrk="0" hangingPunct="1">
+            <a:lvl1pPr algn="l" defTabSz="914400" rtl="0" eaLnBrk="1" latinLnBrk="0" hangingPunct="1">
               <a:lnSpc>
-                <a:spcPct val="90000"/>
+                <a:spcPct val="80000"/>
               </a:lnSpc>
               <a:spcBef>
-                <a:spcPts val="1200"/>
+                <a:spcPct val="0"/>
               </a:spcBef>
-              <a:buFont typeface="Arial" panose="020B0604020202020204" pitchFamily="34" charset="0"/>
               <a:buNone/>
-              <a:defRPr sz="3600" b="1" kern="1200">
+              <a:defRPr sz="2400" b="1" kern="1200" cap="all" baseline="0">
                 <a:solidFill>
                   <a:schemeClr val="tx2"/>
                 </a:solidFill>
-                <a:latin typeface="+mn-lt"/>
-                <a:ea typeface="+mn-ea"/>
-                <a:cs typeface="+mn-cs"/>
+                <a:latin typeface="+mj-lt"/>
+                <a:ea typeface="+mj-ea"/>
+                <a:cs typeface="+mj-cs"/>
               </a:defRPr>
             </a:lvl1pPr>
-            <a:lvl2pPr marL="0" indent="0" algn="l" defTabSz="914400" rtl="0" eaLnBrk="1" latinLnBrk="0" hangingPunct="1">
-              <a:lnSpc>
-                <a:spcPct val="90000"/>
-              </a:lnSpc>
-              <a:spcBef>
-                <a:spcPts val="1800"/>
-              </a:spcBef>
-              <a:buClr>
-                <a:schemeClr val="tx2"/>
-              </a:buClr>
-              <a:buFont typeface="Arial" panose="020B0604020202020204" pitchFamily="34" charset="0"/>
-              <a:buNone/>
-              <a:defRPr sz="1600" b="0" kern="1200">
-                <a:solidFill>
-                  <a:schemeClr val="tx2"/>
-                </a:solidFill>
-                <a:latin typeface="+mn-lt"/>
-                <a:ea typeface="+mn-ea"/>
-                <a:cs typeface="+mn-cs"/>
-              </a:defRPr>
-            </a:lvl2pPr>
-            <a:lvl3pPr marL="395288" indent="-158750" algn="l" defTabSz="914400" rtl="0" eaLnBrk="1" latinLnBrk="0" hangingPunct="1">
-              <a:lnSpc>
-                <a:spcPct val="90000"/>
-              </a:lnSpc>
-              <a:spcBef>
-                <a:spcPts val="500"/>
-              </a:spcBef>
-              <a:buClr>
-                <a:schemeClr val="tx2"/>
-              </a:buClr>
-              <a:buFont typeface="Arial" panose="020B0604020202020204" pitchFamily="34" charset="0"/>
-              <a:buChar char="–"/>
-              <a:defRPr sz="1400" kern="1200">
-                <a:solidFill>
-                  <a:schemeClr val="tx2"/>
-                </a:solidFill>
-                <a:latin typeface="+mn-lt"/>
-                <a:ea typeface="+mn-ea"/>
-                <a:cs typeface="+mn-cs"/>
-              </a:defRPr>
-            </a:lvl3pPr>
-            <a:lvl4pPr marL="587375" indent="-144463" algn="l" defTabSz="914400" rtl="0" eaLnBrk="1" latinLnBrk="0" hangingPunct="1">
-              <a:lnSpc>
-                <a:spcPct val="90000"/>
-              </a:lnSpc>
-              <a:spcBef>
-                <a:spcPts val="300"/>
-              </a:spcBef>
-              <a:buClr>
-                <a:schemeClr val="tx2"/>
-              </a:buClr>
-              <a:buFont typeface="Arial" panose="020B0604020202020204" pitchFamily="34" charset="0"/>
-              <a:buChar char="•"/>
-              <a:defRPr sz="1200" kern="1200">
-                <a:solidFill>
-                  <a:schemeClr val="tx2"/>
-                </a:solidFill>
-                <a:latin typeface="+mn-lt"/>
-                <a:ea typeface="+mn-ea"/>
-                <a:cs typeface="+mn-cs"/>
-              </a:defRPr>
-            </a:lvl4pPr>
-            <a:lvl5pPr marL="766763" indent="-153988" algn="l" defTabSz="914400" rtl="0" eaLnBrk="1" latinLnBrk="0" hangingPunct="1">
-              <a:lnSpc>
-                <a:spcPct val="90000"/>
-              </a:lnSpc>
-              <a:spcBef>
-                <a:spcPts val="300"/>
-              </a:spcBef>
-              <a:buClr>
-                <a:schemeClr val="tx2"/>
-              </a:buClr>
-              <a:buFont typeface="Arial" panose="020B0604020202020204" pitchFamily="34" charset="0"/>
-              <a:buChar char="–"/>
-              <a:defRPr sz="1200" kern="1200">
-                <a:solidFill>
-                  <a:schemeClr val="tx2"/>
-                </a:solidFill>
-                <a:latin typeface="+mn-lt"/>
-                <a:ea typeface="+mn-ea"/>
-                <a:cs typeface="+mn-cs"/>
-              </a:defRPr>
-            </a:lvl5pPr>
-            <a:lvl6pPr marL="2514600" indent="-228600" algn="l" defTabSz="914400" rtl="0" eaLnBrk="1" latinLnBrk="0" hangingPunct="1">
-              <a:lnSpc>
-                <a:spcPct val="90000"/>
-              </a:lnSpc>
-              <a:spcBef>
-                <a:spcPts val="500"/>
-              </a:spcBef>
-              <a:buFont typeface="Arial" panose="020B0604020202020204" pitchFamily="34" charset="0"/>
-              <a:buChar char="•"/>
-              <a:defRPr sz="1800" kern="1200">
-                <a:solidFill>
-                  <a:schemeClr val="tx1"/>
-                </a:solidFill>
-                <a:latin typeface="+mn-lt"/>
-                <a:ea typeface="+mn-ea"/>
-                <a:cs typeface="+mn-cs"/>
-              </a:defRPr>
-            </a:lvl6pPr>
-            <a:lvl7pPr marL="2971800" indent="-228600" algn="l" defTabSz="914400" rtl="0" eaLnBrk="1" latinLnBrk="0" hangingPunct="1">
-              <a:lnSpc>
-                <a:spcPct val="90000"/>
-              </a:lnSpc>
-              <a:spcBef>
-                <a:spcPts val="500"/>
-              </a:spcBef>
-              <a:buFont typeface="Arial" panose="020B0604020202020204" pitchFamily="34" charset="0"/>
-              <a:buChar char="•"/>
-              <a:defRPr sz="1800" kern="1200">
-                <a:solidFill>
-                  <a:schemeClr val="tx1"/>
-                </a:solidFill>
-                <a:latin typeface="+mn-lt"/>
-                <a:ea typeface="+mn-ea"/>
-                <a:cs typeface="+mn-cs"/>
-              </a:defRPr>
-            </a:lvl7pPr>
-            <a:lvl8pPr marL="3429000" indent="-228600" algn="l" defTabSz="914400" rtl="0" eaLnBrk="1" latinLnBrk="0" hangingPunct="1">
-              <a:lnSpc>
-                <a:spcPct val="90000"/>
-              </a:lnSpc>
-              <a:spcBef>
-                <a:spcPts val="500"/>
-              </a:spcBef>
-              <a:buFont typeface="Arial" panose="020B0604020202020204" pitchFamily="34" charset="0"/>
-              <a:buChar char="•"/>
-              <a:defRPr sz="1800" kern="1200">
-                <a:solidFill>
-                  <a:schemeClr val="tx1"/>
-                </a:solidFill>
-                <a:latin typeface="+mn-lt"/>
-                <a:ea typeface="+mn-ea"/>
-                <a:cs typeface="+mn-cs"/>
-              </a:defRPr>
-            </a:lvl8pPr>
-            <a:lvl9pPr marL="3886200" indent="-228600" algn="l" defTabSz="914400" rtl="0" eaLnBrk="1" latinLnBrk="0" hangingPunct="1">
-              <a:lnSpc>
-                <a:spcPct val="90000"/>
-              </a:lnSpc>
-              <a:spcBef>
-                <a:spcPts val="500"/>
-              </a:spcBef>
-              <a:buFont typeface="Arial" panose="020B0604020202020204" pitchFamily="34" charset="0"/>
-              <a:buChar char="•"/>
-              <a:defRPr sz="1800" kern="1200">
-                <a:solidFill>
-                  <a:schemeClr val="tx1"/>
-                </a:solidFill>
-                <a:latin typeface="+mn-lt"/>
-                <a:ea typeface="+mn-ea"/>
-                <a:cs typeface="+mn-cs"/>
-              </a:defRPr>
-            </a:lvl9pPr>
           </a:lstStyle>
           <a:p>
-            <a:pPr>
-              <a:spcBef>
-                <a:spcPts val="1500"/>
-              </a:spcBef>
-              <a:buSzPct val="150000"/>
-            </a:pPr>
-            <a:r>
-              <a:rPr lang="en-IN" dirty="0" smtClean="0"/>
-              <a:t>Filter Criteria</a:t>
-            </a:r>
-            <a:endParaRPr lang="en-IN" dirty="0"/>
-          </a:p>
-        </p:txBody>
-      </p:sp>
-      <p:sp>
-        <p:nvSpPr>
-          <p:cNvPr id="8" name="Content Placeholder 2"/>
-          <p:cNvSpPr txBox="1">
-            <a:spLocks/>
-          </p:cNvSpPr>
-          <p:nvPr/>
-        </p:nvSpPr>
-        <p:spPr>
-          <a:xfrm>
-            <a:off x="1506934" y="2381629"/>
-            <a:ext cx="9727448" cy="1878747"/>
-          </a:xfrm>
-          <a:prstGeom prst="rect">
-            <a:avLst/>
-          </a:prstGeom>
-        </p:spPr>
-        <p:txBody>
-          <a:bodyPr vert="horz" lIns="0" tIns="0" rIns="0" bIns="0" rtlCol="0" anchor="t" anchorCtr="0">
-            <a:noAutofit/>
-          </a:bodyPr>
-          <a:lstStyle>
-            <a:lvl1pPr marL="0" indent="0" algn="l" defTabSz="914400" rtl="0" eaLnBrk="1" latinLnBrk="0" hangingPunct="1">
-              <a:lnSpc>
-                <a:spcPct val="90000"/>
-              </a:lnSpc>
-              <a:spcBef>
-                <a:spcPts val="1200"/>
-              </a:spcBef>
-              <a:buFont typeface="Arial" panose="020B0604020202020204" pitchFamily="34" charset="0"/>
-              <a:buNone/>
-              <a:defRPr sz="3600" b="1" kern="1200">
-                <a:solidFill>
-                  <a:schemeClr val="tx2"/>
-                </a:solidFill>
-                <a:latin typeface="+mn-lt"/>
-                <a:ea typeface="+mn-ea"/>
-                <a:cs typeface="+mn-cs"/>
-              </a:defRPr>
-            </a:lvl1pPr>
-            <a:lvl2pPr marL="0" indent="0" algn="l" defTabSz="914400" rtl="0" eaLnBrk="1" latinLnBrk="0" hangingPunct="1">
-              <a:lnSpc>
-                <a:spcPct val="90000"/>
-              </a:lnSpc>
-              <a:spcBef>
-                <a:spcPts val="1800"/>
-              </a:spcBef>
-              <a:buClr>
-                <a:schemeClr val="tx2"/>
-              </a:buClr>
-              <a:buFont typeface="Arial" panose="020B0604020202020204" pitchFamily="34" charset="0"/>
-              <a:buNone/>
-              <a:defRPr sz="1600" b="0" kern="1200">
-                <a:solidFill>
-                  <a:schemeClr val="tx2"/>
-                </a:solidFill>
-                <a:latin typeface="+mn-lt"/>
-                <a:ea typeface="+mn-ea"/>
-                <a:cs typeface="+mn-cs"/>
-              </a:defRPr>
-            </a:lvl2pPr>
-            <a:lvl3pPr marL="395288" indent="-158750" algn="l" defTabSz="914400" rtl="0" eaLnBrk="1" latinLnBrk="0" hangingPunct="1">
-              <a:lnSpc>
-                <a:spcPct val="90000"/>
-              </a:lnSpc>
-              <a:spcBef>
-                <a:spcPts val="500"/>
-              </a:spcBef>
-              <a:buClr>
-                <a:schemeClr val="tx2"/>
-              </a:buClr>
-              <a:buFont typeface="Arial" panose="020B0604020202020204" pitchFamily="34" charset="0"/>
-              <a:buChar char="–"/>
-              <a:defRPr sz="1400" kern="1200">
-                <a:solidFill>
-                  <a:schemeClr val="tx2"/>
-                </a:solidFill>
-                <a:latin typeface="+mn-lt"/>
-                <a:ea typeface="+mn-ea"/>
-                <a:cs typeface="+mn-cs"/>
-              </a:defRPr>
-            </a:lvl3pPr>
-            <a:lvl4pPr marL="587375" indent="-144463" algn="l" defTabSz="914400" rtl="0" eaLnBrk="1" latinLnBrk="0" hangingPunct="1">
-              <a:lnSpc>
-                <a:spcPct val="90000"/>
-              </a:lnSpc>
-              <a:spcBef>
-                <a:spcPts val="300"/>
-              </a:spcBef>
-              <a:buClr>
-                <a:schemeClr val="tx2"/>
-              </a:buClr>
-              <a:buFont typeface="Arial" panose="020B0604020202020204" pitchFamily="34" charset="0"/>
-              <a:buChar char="•"/>
-              <a:defRPr sz="1200" kern="1200">
-                <a:solidFill>
-                  <a:schemeClr val="tx2"/>
-                </a:solidFill>
-                <a:latin typeface="+mn-lt"/>
-                <a:ea typeface="+mn-ea"/>
-                <a:cs typeface="+mn-cs"/>
-              </a:defRPr>
-            </a:lvl4pPr>
-            <a:lvl5pPr marL="766763" indent="-153988" algn="l" defTabSz="914400" rtl="0" eaLnBrk="1" latinLnBrk="0" hangingPunct="1">
-              <a:lnSpc>
-                <a:spcPct val="90000"/>
-              </a:lnSpc>
-              <a:spcBef>
-                <a:spcPts val="300"/>
-              </a:spcBef>
-              <a:buClr>
-                <a:schemeClr val="tx2"/>
-              </a:buClr>
-              <a:buFont typeface="Arial" panose="020B0604020202020204" pitchFamily="34" charset="0"/>
-              <a:buChar char="–"/>
-              <a:defRPr sz="1200" kern="1200">
-                <a:solidFill>
-                  <a:schemeClr val="tx2"/>
-                </a:solidFill>
-                <a:latin typeface="+mn-lt"/>
-                <a:ea typeface="+mn-ea"/>
-                <a:cs typeface="+mn-cs"/>
-              </a:defRPr>
-            </a:lvl5pPr>
-            <a:lvl6pPr marL="2514600" indent="-228600" algn="l" defTabSz="914400" rtl="0" eaLnBrk="1" latinLnBrk="0" hangingPunct="1">
-              <a:lnSpc>
-                <a:spcPct val="90000"/>
-              </a:lnSpc>
-              <a:spcBef>
-                <a:spcPts val="500"/>
-              </a:spcBef>
-              <a:buFont typeface="Arial" panose="020B0604020202020204" pitchFamily="34" charset="0"/>
-              <a:buChar char="•"/>
-              <a:defRPr sz="1800" kern="1200">
-                <a:solidFill>
-                  <a:schemeClr val="tx1"/>
-                </a:solidFill>
-                <a:latin typeface="+mn-lt"/>
-                <a:ea typeface="+mn-ea"/>
-                <a:cs typeface="+mn-cs"/>
-              </a:defRPr>
-            </a:lvl6pPr>
-            <a:lvl7pPr marL="2971800" indent="-228600" algn="l" defTabSz="914400" rtl="0" eaLnBrk="1" latinLnBrk="0" hangingPunct="1">
-              <a:lnSpc>
-                <a:spcPct val="90000"/>
-              </a:lnSpc>
-              <a:spcBef>
-                <a:spcPts val="500"/>
-              </a:spcBef>
-              <a:buFont typeface="Arial" panose="020B0604020202020204" pitchFamily="34" charset="0"/>
-              <a:buChar char="•"/>
-              <a:defRPr sz="1800" kern="1200">
-                <a:solidFill>
-                  <a:schemeClr val="tx1"/>
-                </a:solidFill>
-                <a:latin typeface="+mn-lt"/>
-                <a:ea typeface="+mn-ea"/>
-                <a:cs typeface="+mn-cs"/>
-              </a:defRPr>
-            </a:lvl7pPr>
-            <a:lvl8pPr marL="3429000" indent="-228600" algn="l" defTabSz="914400" rtl="0" eaLnBrk="1" latinLnBrk="0" hangingPunct="1">
-              <a:lnSpc>
-                <a:spcPct val="90000"/>
-              </a:lnSpc>
-              <a:spcBef>
-                <a:spcPts val="500"/>
-              </a:spcBef>
-              <a:buFont typeface="Arial" panose="020B0604020202020204" pitchFamily="34" charset="0"/>
-              <a:buChar char="•"/>
-              <a:defRPr sz="1800" kern="1200">
-                <a:solidFill>
-                  <a:schemeClr val="tx1"/>
-                </a:solidFill>
-                <a:latin typeface="+mn-lt"/>
-                <a:ea typeface="+mn-ea"/>
-                <a:cs typeface="+mn-cs"/>
-              </a:defRPr>
-            </a:lvl8pPr>
-            <a:lvl9pPr marL="3886200" indent="-228600" algn="l" defTabSz="914400" rtl="0" eaLnBrk="1" latinLnBrk="0" hangingPunct="1">
-              <a:lnSpc>
-                <a:spcPct val="90000"/>
-              </a:lnSpc>
-              <a:spcBef>
-                <a:spcPts val="500"/>
-              </a:spcBef>
-              <a:buFont typeface="Arial" panose="020B0604020202020204" pitchFamily="34" charset="0"/>
-              <a:buChar char="•"/>
-              <a:defRPr sz="1800" kern="1200">
-                <a:solidFill>
-                  <a:schemeClr val="tx1"/>
-                </a:solidFill>
-                <a:latin typeface="+mn-lt"/>
-                <a:ea typeface="+mn-ea"/>
-                <a:cs typeface="+mn-cs"/>
-              </a:defRPr>
-            </a:lvl9pPr>
-          </a:lstStyle>
-          <a:p>
-            <a:pPr marL="411163" indent="-411163">
-              <a:spcBef>
-                <a:spcPts val="1500"/>
-              </a:spcBef>
-              <a:buSzPct val="150000"/>
-              <a:buBlip>
-                <a:blip r:embed="rId2"/>
-              </a:buBlip>
-            </a:pPr>
-            <a:r>
-              <a:rPr lang="en-IN" sz="2000" b="0" dirty="0"/>
-              <a:t>Define the condition number (</a:t>
-            </a:r>
-            <a:r>
-              <a:rPr lang="en-IN" sz="2000" b="0" dirty="0" err="1"/>
-              <a:t>cond</a:t>
-            </a:r>
-            <a:r>
-              <a:rPr lang="en-IN" sz="2000" b="0" dirty="0"/>
-              <a:t> </a:t>
-            </a:r>
-            <a:r>
-              <a:rPr lang="en-IN" sz="2000" b="0" dirty="0" err="1"/>
-              <a:t>lineNumber</a:t>
-            </a:r>
-            <a:r>
-              <a:rPr lang="en-IN" sz="2000" b="0" dirty="0"/>
-              <a:t>) starting with </a:t>
-            </a:r>
-            <a:r>
-              <a:rPr lang="en-IN" sz="2000" b="0" dirty="0" smtClean="0"/>
-              <a:t>zero</a:t>
-            </a:r>
-          </a:p>
-          <a:p>
-            <a:pPr marL="411163" indent="-411163">
-              <a:spcBef>
-                <a:spcPts val="1500"/>
-              </a:spcBef>
-              <a:buSzPct val="150000"/>
-              <a:buBlip>
-                <a:blip r:embed="rId2"/>
-              </a:buBlip>
-            </a:pPr>
-            <a:r>
-              <a:rPr lang="en-IN" sz="2000" b="0" dirty="0" smtClean="0"/>
-              <a:t>Define </a:t>
-            </a:r>
-            <a:r>
-              <a:rPr lang="en-IN" sz="2000" b="0" dirty="0"/>
-              <a:t>the first field or function to match with (</a:t>
-            </a:r>
-            <a:r>
-              <a:rPr lang="en-IN" sz="2000" b="0" dirty="0" err="1"/>
-              <a:t>leftVal</a:t>
-            </a:r>
-            <a:r>
-              <a:rPr lang="en-IN" sz="2000" b="0" dirty="0"/>
-              <a:t>) where the CT (i.e. criterion) may be ‘Field’ or ‘Function’, then the CT value (value) specifying a logical field ID, </a:t>
-            </a:r>
-            <a:endParaRPr lang="en-IN" sz="2000" b="0" dirty="0" smtClean="0"/>
-          </a:p>
-          <a:p>
-            <a:pPr marL="411163" indent="-411163">
-              <a:spcBef>
-                <a:spcPts val="1500"/>
-              </a:spcBef>
-              <a:buSzPct val="150000"/>
-              <a:buBlip>
-                <a:blip r:embed="rId2"/>
-              </a:buBlip>
-            </a:pPr>
-            <a:r>
-              <a:rPr lang="en-IN" sz="2000" b="0" dirty="0" smtClean="0"/>
-              <a:t>The </a:t>
-            </a:r>
-            <a:r>
-              <a:rPr lang="en-IN" sz="2000" b="0" dirty="0"/>
-              <a:t>logical field ID must come between </a:t>
-            </a:r>
-            <a:r>
-              <a:rPr lang="en-IN" sz="2000" b="0" dirty="0" smtClean="0"/>
-              <a:t>quotation</a:t>
-            </a:r>
-            <a:endParaRPr lang="en-IN" sz="2000" b="0" dirty="0"/>
+            <a:r>
+              <a:rPr lang="en-IN" dirty="0" smtClean="0">
+                <a:solidFill>
+                  <a:schemeClr val="tx1">
+                    <a:lumMod val="75000"/>
+                    <a:lumOff val="25000"/>
+                  </a:schemeClr>
+                </a:solidFill>
+              </a:rPr>
+              <a:t>Filter criteria</a:t>
+            </a:r>
+            <a:r>
+              <a:rPr lang="en-IN" dirty="0" smtClean="0">
+                <a:solidFill>
+                  <a:schemeClr val="tx1">
+                    <a:lumMod val="75000"/>
+                    <a:lumOff val="25000"/>
+                  </a:schemeClr>
+                </a:solidFill>
+              </a:rPr>
+              <a:t/>
+            </a:r>
+            <a:br>
+              <a:rPr lang="en-IN" dirty="0" smtClean="0">
+                <a:solidFill>
+                  <a:schemeClr val="tx1">
+                    <a:lumMod val="75000"/>
+                    <a:lumOff val="25000"/>
+                  </a:schemeClr>
+                </a:solidFill>
+              </a:rPr>
+            </a:br>
+            <a:endParaRPr lang="en-US" dirty="0"/>
           </a:p>
         </p:txBody>
       </p:sp>
@@ -5920,81 +5342,22 @@
       </p:grpSpPr>
       <p:sp>
         <p:nvSpPr>
-          <p:cNvPr id="3" name="Content Placeholder 2"/>
-          <p:cNvSpPr>
-            <a:spLocks noGrp="1"/>
-          </p:cNvSpPr>
-          <p:nvPr>
-            <p:ph idx="1"/>
-          </p:nvPr>
-        </p:nvSpPr>
-        <p:spPr>
-          <a:xfrm>
-            <a:off x="955343" y="1473962"/>
-            <a:ext cx="10727140" cy="1528545"/>
-          </a:xfrm>
-        </p:spPr>
+          <p:cNvPr id="4" name="Date Placeholder 3"/>
+          <p:cNvSpPr>
+            <a:spLocks noGrp="1"/>
+          </p:cNvSpPr>
+          <p:nvPr>
+            <p:ph type="dt" sz="half" idx="10"/>
+          </p:nvPr>
+        </p:nvSpPr>
+        <p:spPr/>
         <p:txBody>
           <a:bodyPr/>
           <a:lstStyle/>
           <a:p>
-            <a:pPr marL="411163" indent="-411163">
-              <a:spcBef>
-                <a:spcPts val="1500"/>
-              </a:spcBef>
-              <a:buSzPct val="150000"/>
-              <a:buBlip>
-                <a:blip r:embed="rId2"/>
-              </a:buBlip>
-            </a:pPr>
-            <a:r>
-              <a:rPr lang="en-IN" sz="2000" b="0" dirty="0"/>
-              <a:t>The request must include a valid user name and a valid user </a:t>
-            </a:r>
-            <a:r>
-              <a:rPr lang="en-IN" sz="2000" b="0" dirty="0" smtClean="0"/>
-              <a:t>entitlement (Role). </a:t>
-            </a:r>
-          </a:p>
-          <a:p>
-            <a:pPr marL="411163" indent="-411163">
-              <a:spcBef>
-                <a:spcPts val="1500"/>
-              </a:spcBef>
-              <a:buSzPct val="150000"/>
-              <a:buBlip>
-                <a:blip r:embed="rId2"/>
-              </a:buBlip>
-            </a:pPr>
-            <a:r>
-              <a:rPr lang="en-IN" sz="2000" b="0" dirty="0" smtClean="0"/>
-              <a:t>The </a:t>
-            </a:r>
-            <a:r>
-              <a:rPr lang="en-IN" sz="2000" b="0" dirty="0"/>
-              <a:t>service validates that the user from User ID field has the entitlements to view the list of payments requested (i.e. user has permission to view payments in the requested queue name) by assessing the user entitlement different classes.</a:t>
-            </a:r>
-          </a:p>
-        </p:txBody>
-      </p:sp>
-      <p:sp>
-        <p:nvSpPr>
-          <p:cNvPr id="4" name="Date Placeholder 3"/>
-          <p:cNvSpPr>
-            <a:spLocks noGrp="1"/>
-          </p:cNvSpPr>
-          <p:nvPr>
-            <p:ph type="dt" sz="half" idx="10"/>
-          </p:nvPr>
-        </p:nvSpPr>
-        <p:spPr/>
-        <p:txBody>
-          <a:bodyPr/>
-          <a:lstStyle/>
-          <a:p>
             <a:fld id="{4FAE0867-24A8-448F-B507-CC8586AA6B96}" type="datetime4">
               <a:rPr lang="en-GB" smtClean="0"/>
-              <a:t>10 February 2018</a:t>
+              <a:t>10 March 2018</a:t>
             </a:fld>
             <a:endParaRPr lang="en-GB" dirty="0"/>
           </a:p>
@@ -6026,7 +5389,7 @@
       </p:sp>
       <p:sp>
         <p:nvSpPr>
-          <p:cNvPr id="7" name="Content Placeholder 2"/>
+          <p:cNvPr id="9" name="Title 1"/>
           <p:cNvSpPr txBox="1">
             <a:spLocks/>
           </p:cNvSpPr>
@@ -6034,212 +5397,123 @@
         </p:nvSpPr>
         <p:spPr>
           <a:xfrm>
-            <a:off x="1012205" y="641541"/>
-            <a:ext cx="4979162" cy="573109"/>
+            <a:off x="633720" y="322218"/>
+            <a:ext cx="9692420" cy="668216"/>
           </a:xfrm>
           <a:prstGeom prst="rect">
             <a:avLst/>
           </a:prstGeom>
         </p:spPr>
         <p:txBody>
-          <a:bodyPr vert="horz" lIns="0" tIns="0" rIns="0" bIns="0" rtlCol="0" anchor="t" anchorCtr="0">
-            <a:noAutofit/>
-          </a:bodyPr>
+          <a:bodyPr/>
           <a:lstStyle>
-            <a:lvl1pPr marL="0" indent="0" algn="l" defTabSz="914400" rtl="0" eaLnBrk="1" latinLnBrk="0" hangingPunct="1">
+            <a:lvl1pPr algn="l" defTabSz="914400" rtl="0" eaLnBrk="1" latinLnBrk="0" hangingPunct="1">
               <a:lnSpc>
-                <a:spcPct val="90000"/>
+                <a:spcPct val="80000"/>
               </a:lnSpc>
               <a:spcBef>
-                <a:spcPts val="1200"/>
+                <a:spcPct val="0"/>
               </a:spcBef>
-              <a:buFont typeface="Arial" panose="020B0604020202020204" pitchFamily="34" charset="0"/>
               <a:buNone/>
-              <a:defRPr sz="3600" b="1" kern="1200">
+              <a:defRPr sz="2400" b="1" kern="1200" cap="all" baseline="0">
                 <a:solidFill>
                   <a:schemeClr val="tx2"/>
                 </a:solidFill>
-                <a:latin typeface="+mn-lt"/>
-                <a:ea typeface="+mn-ea"/>
-                <a:cs typeface="+mn-cs"/>
+                <a:latin typeface="+mj-lt"/>
+                <a:ea typeface="+mj-ea"/>
+                <a:cs typeface="+mj-cs"/>
               </a:defRPr>
             </a:lvl1pPr>
-            <a:lvl2pPr marL="0" indent="0" algn="l" defTabSz="914400" rtl="0" eaLnBrk="1" latinLnBrk="0" hangingPunct="1">
-              <a:lnSpc>
-                <a:spcPct val="90000"/>
-              </a:lnSpc>
-              <a:spcBef>
-                <a:spcPts val="1800"/>
-              </a:spcBef>
-              <a:buClr>
-                <a:schemeClr val="tx2"/>
-              </a:buClr>
-              <a:buFont typeface="Arial" panose="020B0604020202020204" pitchFamily="34" charset="0"/>
-              <a:buNone/>
-              <a:defRPr sz="1600" b="0" kern="1200">
-                <a:solidFill>
-                  <a:schemeClr val="tx2"/>
-                </a:solidFill>
-                <a:latin typeface="+mn-lt"/>
-                <a:ea typeface="+mn-ea"/>
-                <a:cs typeface="+mn-cs"/>
-              </a:defRPr>
-            </a:lvl2pPr>
-            <a:lvl3pPr marL="395288" indent="-158750" algn="l" defTabSz="914400" rtl="0" eaLnBrk="1" latinLnBrk="0" hangingPunct="1">
-              <a:lnSpc>
-                <a:spcPct val="90000"/>
-              </a:lnSpc>
-              <a:spcBef>
-                <a:spcPts val="500"/>
-              </a:spcBef>
-              <a:buClr>
-                <a:schemeClr val="tx2"/>
-              </a:buClr>
-              <a:buFont typeface="Arial" panose="020B0604020202020204" pitchFamily="34" charset="0"/>
-              <a:buChar char="–"/>
-              <a:defRPr sz="1400" kern="1200">
-                <a:solidFill>
-                  <a:schemeClr val="tx2"/>
-                </a:solidFill>
-                <a:latin typeface="+mn-lt"/>
-                <a:ea typeface="+mn-ea"/>
-                <a:cs typeface="+mn-cs"/>
-              </a:defRPr>
-            </a:lvl3pPr>
-            <a:lvl4pPr marL="587375" indent="-144463" algn="l" defTabSz="914400" rtl="0" eaLnBrk="1" latinLnBrk="0" hangingPunct="1">
-              <a:lnSpc>
-                <a:spcPct val="90000"/>
-              </a:lnSpc>
-              <a:spcBef>
-                <a:spcPts val="300"/>
-              </a:spcBef>
-              <a:buClr>
-                <a:schemeClr val="tx2"/>
-              </a:buClr>
-              <a:buFont typeface="Arial" panose="020B0604020202020204" pitchFamily="34" charset="0"/>
-              <a:buChar char="•"/>
-              <a:defRPr sz="1200" kern="1200">
-                <a:solidFill>
-                  <a:schemeClr val="tx2"/>
-                </a:solidFill>
-                <a:latin typeface="+mn-lt"/>
-                <a:ea typeface="+mn-ea"/>
-                <a:cs typeface="+mn-cs"/>
-              </a:defRPr>
-            </a:lvl4pPr>
-            <a:lvl5pPr marL="766763" indent="-153988" algn="l" defTabSz="914400" rtl="0" eaLnBrk="1" latinLnBrk="0" hangingPunct="1">
-              <a:lnSpc>
-                <a:spcPct val="90000"/>
-              </a:lnSpc>
-              <a:spcBef>
-                <a:spcPts val="300"/>
-              </a:spcBef>
-              <a:buClr>
-                <a:schemeClr val="tx2"/>
-              </a:buClr>
-              <a:buFont typeface="Arial" panose="020B0604020202020204" pitchFamily="34" charset="0"/>
-              <a:buChar char="–"/>
-              <a:defRPr sz="1200" kern="1200">
-                <a:solidFill>
-                  <a:schemeClr val="tx2"/>
-                </a:solidFill>
-                <a:latin typeface="+mn-lt"/>
-                <a:ea typeface="+mn-ea"/>
-                <a:cs typeface="+mn-cs"/>
-              </a:defRPr>
-            </a:lvl5pPr>
-            <a:lvl6pPr marL="2514600" indent="-228600" algn="l" defTabSz="914400" rtl="0" eaLnBrk="1" latinLnBrk="0" hangingPunct="1">
-              <a:lnSpc>
-                <a:spcPct val="90000"/>
-              </a:lnSpc>
-              <a:spcBef>
-                <a:spcPts val="500"/>
-              </a:spcBef>
-              <a:buFont typeface="Arial" panose="020B0604020202020204" pitchFamily="34" charset="0"/>
-              <a:buChar char="•"/>
-              <a:defRPr sz="1800" kern="1200">
-                <a:solidFill>
-                  <a:schemeClr val="tx1"/>
-                </a:solidFill>
-                <a:latin typeface="+mn-lt"/>
-                <a:ea typeface="+mn-ea"/>
-                <a:cs typeface="+mn-cs"/>
-              </a:defRPr>
-            </a:lvl6pPr>
-            <a:lvl7pPr marL="2971800" indent="-228600" algn="l" defTabSz="914400" rtl="0" eaLnBrk="1" latinLnBrk="0" hangingPunct="1">
-              <a:lnSpc>
-                <a:spcPct val="90000"/>
-              </a:lnSpc>
-              <a:spcBef>
-                <a:spcPts val="500"/>
-              </a:spcBef>
-              <a:buFont typeface="Arial" panose="020B0604020202020204" pitchFamily="34" charset="0"/>
-              <a:buChar char="•"/>
-              <a:defRPr sz="1800" kern="1200">
-                <a:solidFill>
-                  <a:schemeClr val="tx1"/>
-                </a:solidFill>
-                <a:latin typeface="+mn-lt"/>
-                <a:ea typeface="+mn-ea"/>
-                <a:cs typeface="+mn-cs"/>
-              </a:defRPr>
-            </a:lvl7pPr>
-            <a:lvl8pPr marL="3429000" indent="-228600" algn="l" defTabSz="914400" rtl="0" eaLnBrk="1" latinLnBrk="0" hangingPunct="1">
-              <a:lnSpc>
-                <a:spcPct val="90000"/>
-              </a:lnSpc>
-              <a:spcBef>
-                <a:spcPts val="500"/>
-              </a:spcBef>
-              <a:buFont typeface="Arial" panose="020B0604020202020204" pitchFamily="34" charset="0"/>
-              <a:buChar char="•"/>
-              <a:defRPr sz="1800" kern="1200">
-                <a:solidFill>
-                  <a:schemeClr val="tx1"/>
-                </a:solidFill>
-                <a:latin typeface="+mn-lt"/>
-                <a:ea typeface="+mn-ea"/>
-                <a:cs typeface="+mn-cs"/>
-              </a:defRPr>
-            </a:lvl8pPr>
-            <a:lvl9pPr marL="3886200" indent="-228600" algn="l" defTabSz="914400" rtl="0" eaLnBrk="1" latinLnBrk="0" hangingPunct="1">
-              <a:lnSpc>
-                <a:spcPct val="90000"/>
-              </a:lnSpc>
-              <a:spcBef>
-                <a:spcPts val="500"/>
-              </a:spcBef>
-              <a:buFont typeface="Arial" panose="020B0604020202020204" pitchFamily="34" charset="0"/>
-              <a:buChar char="•"/>
-              <a:defRPr sz="1800" kern="1200">
-                <a:solidFill>
-                  <a:schemeClr val="tx1"/>
-                </a:solidFill>
-                <a:latin typeface="+mn-lt"/>
-                <a:ea typeface="+mn-ea"/>
-                <a:cs typeface="+mn-cs"/>
-              </a:defRPr>
-            </a:lvl9pPr>
           </a:lstStyle>
           <a:p>
-            <a:pPr>
-              <a:spcBef>
-                <a:spcPts val="1500"/>
-              </a:spcBef>
-              <a:buSzPct val="150000"/>
-            </a:pPr>
-            <a:r>
-              <a:rPr lang="en-IN" dirty="0" smtClean="0"/>
-              <a:t>Permission</a:t>
-            </a:r>
-            <a:endParaRPr lang="en-IN" dirty="0"/>
-          </a:p>
-        </p:txBody>
-      </p:sp>
+            <a:r>
+              <a:rPr lang="en-IN" dirty="0" smtClean="0">
+                <a:solidFill>
+                  <a:schemeClr val="tx1">
+                    <a:lumMod val="75000"/>
+                    <a:lumOff val="25000"/>
+                  </a:schemeClr>
+                </a:solidFill>
+              </a:rPr>
+              <a:t>operators</a:t>
+            </a:r>
+            <a:r>
+              <a:rPr lang="en-IN" dirty="0" smtClean="0">
+                <a:solidFill>
+                  <a:schemeClr val="tx1">
+                    <a:lumMod val="75000"/>
+                    <a:lumOff val="25000"/>
+                  </a:schemeClr>
+                </a:solidFill>
+              </a:rPr>
+              <a:t/>
+            </a:r>
+            <a:br>
+              <a:rPr lang="en-IN" dirty="0" smtClean="0">
+                <a:solidFill>
+                  <a:schemeClr val="tx1">
+                    <a:lumMod val="75000"/>
+                    <a:lumOff val="25000"/>
+                  </a:schemeClr>
+                </a:solidFill>
+              </a:rPr>
+            </a:br>
+            <a:endParaRPr lang="en-US" dirty="0"/>
+          </a:p>
+        </p:txBody>
+      </p:sp>
+      <p:pic>
+        <p:nvPicPr>
+          <p:cNvPr id="6" name="Picture 5"/>
+          <p:cNvPicPr>
+            <a:picLocks noChangeAspect="1"/>
+          </p:cNvPicPr>
+          <p:nvPr/>
+        </p:nvPicPr>
+        <p:blipFill>
+          <a:blip r:embed="rId2"/>
+          <a:stretch>
+            <a:fillRect/>
+          </a:stretch>
+        </p:blipFill>
+        <p:spPr>
+          <a:xfrm>
+            <a:off x="477480" y="861388"/>
+            <a:ext cx="5719260" cy="5402987"/>
+          </a:xfrm>
+          <a:prstGeom prst="rect">
+            <a:avLst/>
+          </a:prstGeom>
+        </p:spPr>
+      </p:pic>
+      <p:pic>
+        <p:nvPicPr>
+          <p:cNvPr id="7" name="Picture 6"/>
+          <p:cNvPicPr>
+            <a:picLocks noChangeAspect="1"/>
+          </p:cNvPicPr>
+          <p:nvPr/>
+        </p:nvPicPr>
+        <p:blipFill>
+          <a:blip r:embed="rId3"/>
+          <a:stretch>
+            <a:fillRect/>
+          </a:stretch>
+        </p:blipFill>
+        <p:spPr>
+          <a:xfrm>
+            <a:off x="6317999" y="861387"/>
+            <a:ext cx="5384334" cy="5402987"/>
+          </a:xfrm>
+          <a:prstGeom prst="rect">
+            <a:avLst/>
+          </a:prstGeom>
+        </p:spPr>
+      </p:pic>
     </p:spTree>
     <p:extLst>
       <p:ext uri="{BB962C8B-B14F-4D97-AF65-F5344CB8AC3E}">
-        <p14:creationId xmlns:p14="http://schemas.microsoft.com/office/powerpoint/2010/main" val="386273799"/>
+        <p14:creationId xmlns:p14="http://schemas.microsoft.com/office/powerpoint/2010/main" val="1957268923"/>
       </p:ext>
     </p:extLst>
   </p:cSld>
@@ -6318,7 +5592,7 @@
             <a:fld id="{BC3F1638-3586-4527-A760-38AC15BFC248}" type="datetime4">
               <a:rPr lang="en-GB" smtClean="0"/>
               <a:pPr/>
-              <a:t>10 February 2018</a:t>
+              <a:t>10 March 2018</a:t>
             </a:fld>
             <a:endParaRPr lang="en-GB" dirty="0"/>
           </a:p>
@@ -6357,13 +5631,13 @@
           <p:nvPr>
             <p:extLst>
               <p:ext uri="{D42A27DB-BD31-4B8C-83A1-F6EECF244321}">
-                <p14:modId xmlns:p14="http://schemas.microsoft.com/office/powerpoint/2010/main" val="2036021032"/>
+                <p14:modId xmlns:p14="http://schemas.microsoft.com/office/powerpoint/2010/main" val="4008922700"/>
               </p:ext>
             </p:extLst>
           </p:nvPr>
         </p:nvGraphicFramePr>
         <p:xfrm>
-          <a:off x="667656" y="1663093"/>
+          <a:off x="933127" y="1650080"/>
           <a:ext cx="9827471" cy="1475892"/>
         </p:xfrm>
         <a:graphic>
@@ -6373,8 +5647,20 @@
                 <a:tableStyleId>{5C22544A-7EE6-4342-B048-85BDC9FD1C3A}</a:tableStyleId>
               </a:tblPr>
               <a:tblGrid>
-                <a:gridCol w="4900631"/>
-                <a:gridCol w="4926840"/>
+                <a:gridCol w="4900631">
+                  <a:extLst>
+                    <a:ext uri="{9D8B030D-6E8A-4147-A177-3AD203B41FA5}">
+                      <a16:colId xmlns:a16="http://schemas.microsoft.com/office/drawing/2014/main" val="20000"/>
+                    </a:ext>
+                  </a:extLst>
+                </a:gridCol>
+                <a:gridCol w="4926840">
+                  <a:extLst>
+                    <a:ext uri="{9D8B030D-6E8A-4147-A177-3AD203B41FA5}">
+                      <a16:colId xmlns:a16="http://schemas.microsoft.com/office/drawing/2014/main" val="20001"/>
+                    </a:ext>
+                  </a:extLst>
+                </a:gridCol>
               </a:tblGrid>
               <a:tr h="659193">
                 <a:tc>
@@ -6407,6 +5693,11 @@
                   </a:txBody>
                   <a:tcPr/>
                 </a:tc>
+                <a:extLst>
+                  <a:ext uri="{0D108BD9-81ED-4DB2-BD59-A6C34878D82A}">
+                    <a16:rowId xmlns:a16="http://schemas.microsoft.com/office/drawing/2014/main" val="10000"/>
+                  </a:ext>
+                </a:extLst>
               </a:tr>
               <a:tr h="816699">
                 <a:tc>
@@ -6429,6 +5720,11 @@
                   </a:txBody>
                   <a:tcPr/>
                 </a:tc>
+                <a:extLst>
+                  <a:ext uri="{0D108BD9-81ED-4DB2-BD59-A6C34878D82A}">
+                    <a16:rowId xmlns:a16="http://schemas.microsoft.com/office/drawing/2014/main" val="10001"/>
+                  </a:ext>
+                </a:extLst>
               </a:tr>
             </a:tbl>
           </a:graphicData>
@@ -6456,7 +5752,7 @@
           <a:graphicData uri="http://schemas.openxmlformats.org/presentationml/2006/ole">
             <mc:AlternateContent xmlns:mc="http://schemas.openxmlformats.org/markup-compatibility/2006">
               <mc:Choice xmlns:v="urn:schemas-microsoft-com:vml" Requires="v">
-                <p:oleObj spid="_x0000_s1486" name="Packager Shell Object" showAsIcon="1" r:id="rId4" imgW="1028880" imgH="685800" progId="Package">
+                <p:oleObj spid="_x0000_s1496" name="Packager Shell Object" showAsIcon="1" r:id="rId4" imgW="1028880" imgH="685800" progId="Package">
                   <p:embed/>
                 </p:oleObj>
               </mc:Choice>
@@ -6513,7 +5809,7 @@
           <a:graphicData uri="http://schemas.openxmlformats.org/presentationml/2006/ole">
             <mc:AlternateContent xmlns:mc="http://schemas.openxmlformats.org/markup-compatibility/2006">
               <mc:Choice xmlns:v="urn:schemas-microsoft-com:vml" Requires="v">
-                <p:oleObj spid="_x0000_s1487" name="Packager Shell Object" showAsIcon="1" r:id="rId6" imgW="1155960" imgH="685800" progId="Package">
+                <p:oleObj spid="_x0000_s1497" name="Packager Shell Object" showAsIcon="1" r:id="rId6" imgW="1155960" imgH="685800" progId="Package">
                   <p:embed/>
                 </p:oleObj>
               </mc:Choice>
@@ -6667,7 +5963,7 @@
             <a:fld id="{D98A2CEC-3088-437B-B321-33BEC7D93FCD}" type="datetime4">
               <a:rPr lang="en-GB" smtClean="0"/>
               <a:pPr/>
-              <a:t>10 February 2018</a:t>
+              <a:t>10 March 2018</a:t>
             </a:fld>
             <a:endParaRPr lang="en-GB" dirty="0"/>
           </a:p>
@@ -7032,7 +6328,7 @@
   <a:extraClrSchemeLst/>
   <a:extLst>
     <a:ext uri="{05A4C25C-085E-4340-85A3-A5531E510DB2}">
-      <thm15:themeFamily xmlns="" xmlns:thm15="http://schemas.microsoft.com/office/thememl/2012/main" name="Finastra_PowerPoint_Template_LIGHT.potx" id="{E28E15CF-D4AF-4030-9C27-4521403959F6}" vid="{3C581112-1A15-4DD8-9762-0CCB35449E2C}"/>
+      <thm15:themeFamily xmlns:thm15="http://schemas.microsoft.com/office/thememl/2012/main" name="Finastra_PowerPoint_Template_LIGHT.potx" id="{E28E15CF-D4AF-4030-9C27-4521403959F6}" vid="{3C581112-1A15-4DD8-9762-0CCB35449E2C}"/>
     </a:ext>
   </a:extLst>
 </a:theme>
@@ -7293,7 +6589,7 @@
   <a:extraClrSchemeLst/>
   <a:extLst>
     <a:ext uri="{05A4C25C-085E-4340-85A3-A5531E510DB2}">
-      <thm15:themeFamily xmlns="" xmlns:thm15="http://schemas.microsoft.com/office/thememl/2012/main" name="Office Theme" id="{62F939B6-93AF-4DB8-9C6B-D6C7DFDC589F}" vid="{4A3C46E8-61CC-4603-A589-7422A47A8E4A}"/>
+      <thm15:themeFamily xmlns:thm15="http://schemas.microsoft.com/office/thememl/2012/main" name="Office Theme" id="{62F939B6-93AF-4DB8-9C6B-D6C7DFDC589F}" vid="{4A3C46E8-61CC-4603-A589-7422A47A8E4A}"/>
     </a:ext>
   </a:extLst>
 </a:theme>
@@ -7554,19 +6850,19 @@
   <a:extraClrSchemeLst/>
   <a:extLst>
     <a:ext uri="{05A4C25C-085E-4340-85A3-A5531E510DB2}">
-      <thm15:themeFamily xmlns="" xmlns:thm15="http://schemas.microsoft.com/office/thememl/2012/main" name="Office Theme" id="{62F939B6-93AF-4DB8-9C6B-D6C7DFDC589F}" vid="{4A3C46E8-61CC-4603-A589-7422A47A8E4A}"/>
+      <thm15:themeFamily xmlns:thm15="http://schemas.microsoft.com/office/thememl/2012/main" name="Office Theme" id="{62F939B6-93AF-4DB8-9C6B-D6C7DFDC589F}" vid="{4A3C46E8-61CC-4603-A589-7422A47A8E4A}"/>
     </a:ext>
   </a:extLst>
 </a:theme>
 </file>
 
 <file path=customXml/item1.xml><?xml version="1.0" encoding="utf-8"?>
-<?mso-contentType ?>
-<FormTemplates xmlns="http://schemas.microsoft.com/sharepoint/v3/contenttype/forms">
-  <Display>DocumentLibraryForm</Display>
-  <Edit>DocumentLibraryForm</Edit>
-  <New>DocumentLibraryForm</New>
-</FormTemplates>
+<p:properties xmlns:p="http://schemas.microsoft.com/office/2006/metadata/properties" xmlns:xsi="http://www.w3.org/2001/XMLSchema-instance" xmlns:pc="http://schemas.microsoft.com/office/infopath/2007/PartnerControls">
+  <documentManagement>
+    <PublishingExpirationDate xmlns="http://schemas.microsoft.com/sharepoint/v3" xsi:nil="true"/>
+    <PublishingStartDate xmlns="http://schemas.microsoft.com/sharepoint/v3" xsi:nil="true"/>
+  </documentManagement>
+</p:properties>
 </file>
 
 <file path=customXml/item2.xml><?xml version="1.0" encoding="utf-8"?>
@@ -7752,18 +7048,28 @@
 </file>
 
 <file path=customXml/item3.xml><?xml version="1.0" encoding="utf-8"?>
-<p:properties xmlns:p="http://schemas.microsoft.com/office/2006/metadata/properties" xmlns:xsi="http://www.w3.org/2001/XMLSchema-instance" xmlns:pc="http://schemas.microsoft.com/office/infopath/2007/PartnerControls">
-  <documentManagement>
-    <PublishingExpirationDate xmlns="http://schemas.microsoft.com/sharepoint/v3" xsi:nil="true"/>
-    <PublishingStartDate xmlns="http://schemas.microsoft.com/sharepoint/v3" xsi:nil="true"/>
-  </documentManagement>
-</p:properties>
+<?mso-contentType ?>
+<FormTemplates xmlns="http://schemas.microsoft.com/sharepoint/v3/contenttype/forms">
+  <Display>DocumentLibraryForm</Display>
+  <Edit>DocumentLibraryForm</Edit>
+  <New>DocumentLibraryForm</New>
+</FormTemplates>
 </file>
 
 <file path=customXml/itemProps1.xml><?xml version="1.0" encoding="utf-8"?>
-<ds:datastoreItem xmlns:ds="http://schemas.openxmlformats.org/officeDocument/2006/customXml" ds:itemID="{CA1AEAF9-C730-4098-99F1-230B2FED747B}">
+<ds:datastoreItem xmlns:ds="http://schemas.openxmlformats.org/officeDocument/2006/customXml" ds:itemID="{D7186F62-2954-471E-9368-38BF5704F41F}">
   <ds:schemaRefs>
-    <ds:schemaRef ds:uri="http://schemas.microsoft.com/sharepoint/v3/contenttype/forms"/>
+    <ds:schemaRef ds:uri="http://purl.org/dc/elements/1.1/"/>
+    <ds:schemaRef ds:uri="http://purl.org/dc/dcmitype/"/>
+    <ds:schemaRef ds:uri="0ae7057e-292f-4fd1-bead-5494e4c66c6d"/>
+    <ds:schemaRef ds:uri="1913475e-a030-45ec-9e8a-a2630205b38f"/>
+    <ds:schemaRef ds:uri="http://purl.org/dc/terms/"/>
+    <ds:schemaRef ds:uri="http://schemas.microsoft.com/office/2006/metadata/properties"/>
+    <ds:schemaRef ds:uri="http://schemas.microsoft.com/office/infopath/2007/PartnerControls"/>
+    <ds:schemaRef ds:uri="http://schemas.microsoft.com/office/2006/documentManagement/types"/>
+    <ds:schemaRef ds:uri="http://www.w3.org/XML/1998/namespace"/>
+    <ds:schemaRef ds:uri="http://schemas.openxmlformats.org/package/2006/metadata/core-properties"/>
+    <ds:schemaRef ds:uri="http://schemas.microsoft.com/sharepoint/v3"/>
   </ds:schemaRefs>
 </ds:datastoreItem>
 </file>
@@ -7789,19 +7095,9 @@
 </file>
 
 <file path=customXml/itemProps3.xml><?xml version="1.0" encoding="utf-8"?>
-<ds:datastoreItem xmlns:ds="http://schemas.openxmlformats.org/officeDocument/2006/customXml" ds:itemID="{D7186F62-2954-471E-9368-38BF5704F41F}">
+<ds:datastoreItem xmlns:ds="http://schemas.openxmlformats.org/officeDocument/2006/customXml" ds:itemID="{CA1AEAF9-C730-4098-99F1-230B2FED747B}">
   <ds:schemaRefs>
-    <ds:schemaRef ds:uri="http://purl.org/dc/elements/1.1/"/>
-    <ds:schemaRef ds:uri="http://purl.org/dc/dcmitype/"/>
-    <ds:schemaRef ds:uri="0ae7057e-292f-4fd1-bead-5494e4c66c6d"/>
-    <ds:schemaRef ds:uri="1913475e-a030-45ec-9e8a-a2630205b38f"/>
-    <ds:schemaRef ds:uri="http://purl.org/dc/terms/"/>
-    <ds:schemaRef ds:uri="http://schemas.microsoft.com/office/2006/metadata/properties"/>
-    <ds:schemaRef ds:uri="http://schemas.microsoft.com/office/infopath/2007/PartnerControls"/>
-    <ds:schemaRef ds:uri="http://schemas.microsoft.com/office/2006/documentManagement/types"/>
-    <ds:schemaRef ds:uri="http://www.w3.org/XML/1998/namespace"/>
-    <ds:schemaRef ds:uri="http://schemas.openxmlformats.org/package/2006/metadata/core-properties"/>
-    <ds:schemaRef ds:uri="http://schemas.microsoft.com/sharepoint/v3"/>
+    <ds:schemaRef ds:uri="http://schemas.microsoft.com/sharepoint/v3/contenttype/forms"/>
   </ds:schemaRefs>
 </ds:datastoreItem>
 </file>
--- a/documentation/12 SOA Services - Queue List.pptx
+++ b/documentation/12 SOA Services - Queue List.pptx
@@ -221,7 +221,7 @@
           <a:p>
             <a:fld id="{CE53DE84-D7B3-4797-B14D-77424657396D}" type="datetimeFigureOut">
               <a:rPr lang="en-GB" smtClean="0"/>
-              <a:t>10/03/2018</a:t>
+              <a:t>25/03/2019</a:t>
             </a:fld>
             <a:endParaRPr lang="en-GB" dirty="0"/>
           </a:p>
@@ -386,7 +386,7 @@
           <a:p>
             <a:fld id="{D1C597EC-6BB0-461C-B045-D257C6C8821E}" type="datetimeFigureOut">
               <a:rPr lang="en-GB" smtClean="0"/>
-              <a:t>10/03/2018</a:t>
+              <a:t>25/03/2019</a:t>
             </a:fld>
             <a:endParaRPr lang="en-GB" dirty="0"/>
           </a:p>
@@ -1240,7 +1240,7 @@
           <a:p>
             <a:fld id="{22E7AA2F-F619-4723-B6E7-545F24B9918D}" type="datetime4">
               <a:rPr lang="en-GB" smtClean="0"/>
-              <a:t>10 March 2018</a:t>
+              <a:t>25 March 2019</a:t>
             </a:fld>
             <a:endParaRPr lang="en-GB" dirty="0"/>
           </a:p>
@@ -1444,7 +1444,7 @@
           <a:p>
             <a:fld id="{2A4201E0-34F3-46A7-AE44-D99163B13904}" type="datetime4">
               <a:rPr lang="en-GB" smtClean="0"/>
-              <a:t>10 March 2018</a:t>
+              <a:t>25 March 2019</a:t>
             </a:fld>
             <a:endParaRPr lang="en-GB" dirty="0"/>
           </a:p>
@@ -1692,7 +1692,7 @@
           <a:p>
             <a:fld id="{4FAE0867-24A8-448F-B507-CC8586AA6B96}" type="datetime4">
               <a:rPr lang="en-GB" smtClean="0"/>
-              <a:t>10 March 2018</a:t>
+              <a:t>25 March 2019</a:t>
             </a:fld>
             <a:endParaRPr lang="en-GB" dirty="0"/>
           </a:p>
@@ -1876,7 +1876,7 @@
           <a:p>
             <a:fld id="{54BE1DED-F17D-40BA-964F-A1C8DEDCEF61}" type="datetime4">
               <a:rPr lang="en-GB" smtClean="0"/>
-              <a:t>10 March 2018</a:t>
+              <a:t>25 March 2019</a:t>
             </a:fld>
             <a:endParaRPr lang="en-GB" dirty="0"/>
           </a:p>
@@ -2252,7 +2252,7 @@
             <a:fld id="{D9FBC6CA-9941-44FF-B65D-C7A23CB5A4BE}" type="datetime4">
               <a:rPr lang="en-GB" smtClean="0"/>
               <a:pPr/>
-              <a:t>10 March 2018</a:t>
+              <a:t>25 March 2019</a:t>
             </a:fld>
             <a:endParaRPr lang="en-GB" dirty="0"/>
           </a:p>
@@ -2438,7 +2438,7 @@
           <a:p>
             <a:fld id="{D473304B-F8FC-4BC7-8FE8-C50BC87E1FAB}" type="datetime4">
               <a:rPr lang="en-GB" smtClean="0"/>
-              <a:t>10 March 2018</a:t>
+              <a:t>25 March 2019</a:t>
             </a:fld>
             <a:endParaRPr lang="en-GB" dirty="0"/>
           </a:p>
@@ -2533,7 +2533,7 @@
           <a:p>
             <a:fld id="{D3D7C3DF-C1B2-4C30-9BDA-F5EE790E7213}" type="datetime4">
               <a:rPr lang="en-GB" smtClean="0"/>
-              <a:t>10 March 2018</a:t>
+              <a:t>25 March 2019</a:t>
             </a:fld>
             <a:endParaRPr lang="en-GB" dirty="0"/>
           </a:p>
@@ -2758,7 +2758,7 @@
           <a:p>
             <a:fld id="{7A1E630C-C3F3-4A66-A20B-F3CE4CC3331D}" type="datetime4">
               <a:rPr lang="en-GB" smtClean="0"/>
-              <a:t>10 March 2018</a:t>
+              <a:t>25 March 2019</a:t>
             </a:fld>
             <a:endParaRPr lang="en-GB" dirty="0"/>
           </a:p>
@@ -3392,7 +3392,7 @@
           <a:p>
             <a:fld id="{D22C19FE-D082-4640-BFED-203C0E583774}" type="datetime4">
               <a:rPr lang="en-GB" smtClean="0"/>
-              <a:t>10 March 2018</a:t>
+              <a:t>25 March 2019</a:t>
             </a:fld>
             <a:endParaRPr lang="en-GB" dirty="0"/>
           </a:p>
@@ -3997,8 +3997,9 @@
             <a:pPr lvl="1"/>
             <a:r>
               <a:rPr lang="en-GB" dirty="0" smtClean="0"/>
-              <a:t>February 2018</a:t>
-            </a:r>
+              <a:t>2019</a:t>
+            </a:r>
+            <a:endParaRPr lang="en-GB" dirty="0" smtClean="0"/>
           </a:p>
           <a:p>
             <a:pPr lvl="1"/>
@@ -4134,7 +4135,7 @@
           <a:p>
             <a:fld id="{6096F0BA-ECEE-44D1-ABE9-40C67B221300}" type="datetime4">
               <a:rPr lang="en-GB" smtClean="0"/>
-              <a:t>10 March 2018</a:t>
+              <a:t>25 March 2019</a:t>
             </a:fld>
             <a:endParaRPr lang="en-GB" dirty="0"/>
           </a:p>
@@ -4302,7 +4303,7 @@
             <a:fld id="{014A5046-EA5E-455B-A3BC-352818629394}" type="datetime4">
               <a:rPr lang="en-GB" smtClean="0"/>
               <a:pPr/>
-              <a:t>10 March 2018</a:t>
+              <a:t>25 March 2019</a:t>
             </a:fld>
             <a:endParaRPr lang="en-GB" dirty="0"/>
           </a:p>
@@ -4440,11 +4441,7 @@
             </a:pPr>
             <a:r>
               <a:rPr lang="en-IN" sz="2000" b="0" dirty="0" smtClean="0"/>
-              <a:t>Using </a:t>
-            </a:r>
-            <a:r>
-              <a:rPr lang="en-IN" sz="2000" b="0" dirty="0" smtClean="0"/>
-              <a:t>this service user can search both </a:t>
+              <a:t>Using this service user can search both </a:t>
             </a:r>
             <a:r>
               <a:rPr lang="en-IN" sz="2000" dirty="0" smtClean="0">
@@ -4519,7 +4516,7 @@
           <a:p>
             <a:fld id="{4FAE0867-24A8-448F-B507-CC8586AA6B96}" type="datetime4">
               <a:rPr lang="en-GB" smtClean="0"/>
-              <a:t>10 March 2018</a:t>
+              <a:t>25 March 2019</a:t>
             </a:fld>
             <a:endParaRPr lang="en-GB" dirty="0"/>
           </a:p>
@@ -4775,15 +4772,7 @@
             </a:pPr>
             <a:r>
               <a:rPr lang="en-IN" sz="1800" b="0" dirty="0" smtClean="0"/>
-              <a:t>The </a:t>
-            </a:r>
-            <a:r>
-              <a:rPr lang="en-IN" sz="1800" b="0" dirty="0" smtClean="0"/>
-              <a:t>input parameters are </a:t>
-            </a:r>
-            <a:r>
-              <a:rPr lang="en-IN" sz="1800" b="0" dirty="0" smtClean="0"/>
-              <a:t>validated</a:t>
+              <a:t>The input parameters are validated</a:t>
             </a:r>
             <a:r>
               <a:rPr lang="en-IN" sz="1800" b="0" dirty="0"/>
@@ -4836,11 +4825,7 @@
             </a:pPr>
             <a:r>
               <a:rPr lang="en-IN" sz="1800" b="0" dirty="0" smtClean="0"/>
-              <a:t>The </a:t>
-            </a:r>
-            <a:r>
-              <a:rPr lang="en-IN" sz="1800" b="0" dirty="0" smtClean="0"/>
-              <a:t>response is sent.</a:t>
+              <a:t>The response is sent.</a:t>
             </a:r>
             <a:endParaRPr lang="en-IN" sz="1800" b="0" dirty="0"/>
           </a:p>
@@ -4895,17 +4880,6 @@
                 </a:solidFill>
               </a:rPr>
               <a:t>Queue list SERVICE</a:t>
-            </a:r>
-            <a:r>
-              <a:rPr lang="en-IN" dirty="0" smtClean="0">
-                <a:solidFill>
-                  <a:schemeClr val="tx1">
-                    <a:lumMod val="75000"/>
-                    <a:lumOff val="25000"/>
-                  </a:schemeClr>
-                </a:solidFill>
-              </a:rPr>
-              <a:t/>
             </a:r>
             <a:br>
               <a:rPr lang="en-IN" dirty="0" smtClean="0">
@@ -5198,7 +5172,7 @@
           <a:p>
             <a:fld id="{4FAE0867-24A8-448F-B507-CC8586AA6B96}" type="datetime4">
               <a:rPr lang="en-GB" smtClean="0"/>
-              <a:t>10 March 2018</a:t>
+              <a:t>25 March 2019</a:t>
             </a:fld>
             <a:endParaRPr lang="en-GB" dirty="0"/>
           </a:p>
@@ -5277,17 +5251,6 @@
                 </a:solidFill>
               </a:rPr>
               <a:t>Filter criteria</a:t>
-            </a:r>
-            <a:r>
-              <a:rPr lang="en-IN" dirty="0" smtClean="0">
-                <a:solidFill>
-                  <a:schemeClr val="tx1">
-                    <a:lumMod val="75000"/>
-                    <a:lumOff val="25000"/>
-                  </a:schemeClr>
-                </a:solidFill>
-              </a:rPr>
-              <a:t/>
             </a:r>
             <a:br>
               <a:rPr lang="en-IN" dirty="0" smtClean="0">
@@ -5357,7 +5320,7 @@
           <a:p>
             <a:fld id="{4FAE0867-24A8-448F-B507-CC8586AA6B96}" type="datetime4">
               <a:rPr lang="en-GB" smtClean="0"/>
-              <a:t>10 March 2018</a:t>
+              <a:t>25 March 2019</a:t>
             </a:fld>
             <a:endParaRPr lang="en-GB" dirty="0"/>
           </a:p>
@@ -5436,17 +5399,6 @@
                 </a:solidFill>
               </a:rPr>
               <a:t>operators</a:t>
-            </a:r>
-            <a:r>
-              <a:rPr lang="en-IN" dirty="0" smtClean="0">
-                <a:solidFill>
-                  <a:schemeClr val="tx1">
-                    <a:lumMod val="75000"/>
-                    <a:lumOff val="25000"/>
-                  </a:schemeClr>
-                </a:solidFill>
-              </a:rPr>
-              <a:t/>
             </a:r>
             <a:br>
               <a:rPr lang="en-IN" dirty="0" smtClean="0">
@@ -5592,7 +5544,7 @@
             <a:fld id="{BC3F1638-3586-4527-A760-38AC15BFC248}" type="datetime4">
               <a:rPr lang="en-GB" smtClean="0"/>
               <a:pPr/>
-              <a:t>10 March 2018</a:t>
+              <a:t>25 March 2019</a:t>
             </a:fld>
             <a:endParaRPr lang="en-GB" dirty="0"/>
           </a:p>
@@ -5752,7 +5704,7 @@
           <a:graphicData uri="http://schemas.openxmlformats.org/presentationml/2006/ole">
             <mc:AlternateContent xmlns:mc="http://schemas.openxmlformats.org/markup-compatibility/2006">
               <mc:Choice xmlns:v="urn:schemas-microsoft-com:vml" Requires="v">
-                <p:oleObj spid="_x0000_s1496" name="Packager Shell Object" showAsIcon="1" r:id="rId4" imgW="1028880" imgH="685800" progId="Package">
+                <p:oleObj spid="_x0000_s1500" name="Packager Shell Object" showAsIcon="1" r:id="rId4" imgW="1028880" imgH="685800" progId="Package">
                   <p:embed/>
                 </p:oleObj>
               </mc:Choice>
@@ -5809,7 +5761,7 @@
           <a:graphicData uri="http://schemas.openxmlformats.org/presentationml/2006/ole">
             <mc:AlternateContent xmlns:mc="http://schemas.openxmlformats.org/markup-compatibility/2006">
               <mc:Choice xmlns:v="urn:schemas-microsoft-com:vml" Requires="v">
-                <p:oleObj spid="_x0000_s1497" name="Packager Shell Object" showAsIcon="1" r:id="rId6" imgW="1155960" imgH="685800" progId="Package">
+                <p:oleObj spid="_x0000_s1501" name="Packager Shell Object" showAsIcon="1" r:id="rId6" imgW="1155960" imgH="685800" progId="Package">
                   <p:embed/>
                 </p:oleObj>
               </mc:Choice>
@@ -5932,12 +5884,6 @@
           <a:lstStyle/>
           <a:p>
             <a:r>
-              <a:rPr lang="en-GB" dirty="0" smtClean="0"/>
-              <a:t>Arnab Podder</a:t>
-            </a:r>
-          </a:p>
-          <a:p>
-            <a:r>
               <a:rPr lang="en-GB" b="0" dirty="0" smtClean="0"/>
               <a:t>Integration Team</a:t>
             </a:r>
@@ -5963,7 +5909,7 @@
             <a:fld id="{D98A2CEC-3088-437B-B321-33BEC7D93FCD}" type="datetime4">
               <a:rPr lang="en-GB" smtClean="0"/>
               <a:pPr/>
-              <a:t>10 March 2018</a:t>
+              <a:t>25 March 2019</a:t>
             </a:fld>
             <a:endParaRPr lang="en-GB" dirty="0"/>
           </a:p>
@@ -6857,6 +6803,15 @@
 </file>
 
 <file path=customXml/item1.xml><?xml version="1.0" encoding="utf-8"?>
+<?mso-contentType ?>
+<FormTemplates xmlns="http://schemas.microsoft.com/sharepoint/v3/contenttype/forms">
+  <Display>DocumentLibraryForm</Display>
+  <Edit>DocumentLibraryForm</Edit>
+  <New>DocumentLibraryForm</New>
+</FormTemplates>
+</file>
+
+<file path=customXml/item2.xml><?xml version="1.0" encoding="utf-8"?>
 <p:properties xmlns:p="http://schemas.microsoft.com/office/2006/metadata/properties" xmlns:xsi="http://www.w3.org/2001/XMLSchema-instance" xmlns:pc="http://schemas.microsoft.com/office/infopath/2007/PartnerControls">
   <documentManagement>
     <PublishingExpirationDate xmlns="http://schemas.microsoft.com/sharepoint/v3" xsi:nil="true"/>
@@ -6865,7 +6820,7 @@
 </p:properties>
 </file>
 
-<file path=customXml/item2.xml><?xml version="1.0" encoding="utf-8"?>
+<file path=customXml/item3.xml><?xml version="1.0" encoding="utf-8"?>
 <ct:contentTypeSchema xmlns:ct="http://schemas.microsoft.com/office/2006/metadata/contentType" xmlns:ma="http://schemas.microsoft.com/office/2006/metadata/properties/metaAttributes" ct:_="" ma:_="" ma:contentTypeName="Document" ma:contentTypeID="0x0101009AFDA2510A45954CB46081864A6D864F" ma:contentTypeVersion="5" ma:contentTypeDescription="Create a new document." ma:contentTypeScope="" ma:versionID="5b475eef84496e2b7a4205b1d00d7d4c">
   <xsd:schema xmlns:xsd="http://www.w3.org/2001/XMLSchema" xmlns:xs="http://www.w3.org/2001/XMLSchema" xmlns:p="http://schemas.microsoft.com/office/2006/metadata/properties" xmlns:ns1="http://schemas.microsoft.com/sharepoint/v3" xmlns:ns2="1913475e-a030-45ec-9e8a-a2630205b38f" xmlns:ns3="0ae7057e-292f-4fd1-bead-5494e4c66c6d" targetNamespace="http://schemas.microsoft.com/office/2006/metadata/properties" ma:root="true" ma:fieldsID="85738e600c763465eda532a3d229a01a" ns1:_="" ns2:_="" ns3:_="">
     <xsd:import namespace="http://schemas.microsoft.com/sharepoint/v3"/>
@@ -7047,16 +7002,15 @@
 </ct:contentTypeSchema>
 </file>
 
-<file path=customXml/item3.xml><?xml version="1.0" encoding="utf-8"?>
-<?mso-contentType ?>
-<FormTemplates xmlns="http://schemas.microsoft.com/sharepoint/v3/contenttype/forms">
-  <Display>DocumentLibraryForm</Display>
-  <Edit>DocumentLibraryForm</Edit>
-  <New>DocumentLibraryForm</New>
-</FormTemplates>
+<file path=customXml/itemProps1.xml><?xml version="1.0" encoding="utf-8"?>
+<ds:datastoreItem xmlns:ds="http://schemas.openxmlformats.org/officeDocument/2006/customXml" ds:itemID="{CA1AEAF9-C730-4098-99F1-230B2FED747B}">
+  <ds:schemaRefs>
+    <ds:schemaRef ds:uri="http://schemas.microsoft.com/sharepoint/v3/contenttype/forms"/>
+  </ds:schemaRefs>
+</ds:datastoreItem>
 </file>
 
-<file path=customXml/itemProps1.xml><?xml version="1.0" encoding="utf-8"?>
+<file path=customXml/itemProps2.xml><?xml version="1.0" encoding="utf-8"?>
 <ds:datastoreItem xmlns:ds="http://schemas.openxmlformats.org/officeDocument/2006/customXml" ds:itemID="{D7186F62-2954-471E-9368-38BF5704F41F}">
   <ds:schemaRefs>
     <ds:schemaRef ds:uri="http://purl.org/dc/elements/1.1/"/>
@@ -7074,7 +7028,7 @@
 </ds:datastoreItem>
 </file>
 
-<file path=customXml/itemProps2.xml><?xml version="1.0" encoding="utf-8"?>
+<file path=customXml/itemProps3.xml><?xml version="1.0" encoding="utf-8"?>
 <ds:datastoreItem xmlns:ds="http://schemas.openxmlformats.org/officeDocument/2006/customXml" ds:itemID="{F6B4073B-771D-450A-9EDA-ABAA77B0531E}">
   <ds:schemaRefs>
     <ds:schemaRef ds:uri="http://schemas.microsoft.com/office/2006/metadata/contentType"/>
@@ -7092,12 +7046,4 @@
     <ds:schemaRef ds:uri="http://schemas.microsoft.com/internal/obd"/>
   </ds:schemaRefs>
 </ds:datastoreItem>
-</file>
-
-<file path=customXml/itemProps3.xml><?xml version="1.0" encoding="utf-8"?>
-<ds:datastoreItem xmlns:ds="http://schemas.openxmlformats.org/officeDocument/2006/customXml" ds:itemID="{CA1AEAF9-C730-4098-99F1-230B2FED747B}">
-  <ds:schemaRefs>
-    <ds:schemaRef ds:uri="http://schemas.microsoft.com/sharepoint/v3/contenttype/forms"/>
-  </ds:schemaRefs>
-</ds:datastoreItem>
 </file>